--- a/Персистентный стек.pptx
+++ b/Персистентный стек.pptx
@@ -13,8 +13,16 @@
     <p:sldId id="261" r:id="rId7"/>
     <p:sldId id="262" r:id="rId8"/>
     <p:sldId id="263" r:id="rId9"/>
-    <p:sldId id="264" r:id="rId10"/>
-    <p:sldId id="265" r:id="rId11"/>
+    <p:sldId id="267" r:id="rId10"/>
+    <p:sldId id="268" r:id="rId11"/>
+    <p:sldId id="269" r:id="rId12"/>
+    <p:sldId id="270" r:id="rId13"/>
+    <p:sldId id="271" r:id="rId14"/>
+    <p:sldId id="272" r:id="rId15"/>
+    <p:sldId id="273" r:id="rId16"/>
+    <p:sldId id="274" r:id="rId17"/>
+    <p:sldId id="275" r:id="rId18"/>
+    <p:sldId id="265" r:id="rId19"/>
   </p:sldIdLst>
   <p:sldSz cx="12190413" cy="6859588"/>
   <p:notesSz cx="6858000" cy="9144000"/>
@@ -175,7 +183,7 @@
           <a:p>
             <a:fld id="{3C624DF0-9767-4299-8089-7BA4633F72BC}" type="datetimeFigureOut">
               <a:rPr lang="ru-RU" smtClean="0"/>
-              <a:t>10.12.2016</a:t>
+              <a:t>23.12.2016</a:t>
             </a:fld>
             <a:endParaRPr lang="ru-RU"/>
           </a:p>
@@ -491,7 +499,7 @@
           <a:p>
             <a:fld id="{3C624DF0-9767-4299-8089-7BA4633F72BC}" type="datetimeFigureOut">
               <a:rPr lang="ru-RU" smtClean="0"/>
-              <a:t>10.12.2016</a:t>
+              <a:t>23.12.2016</a:t>
             </a:fld>
             <a:endParaRPr lang="ru-RU"/>
           </a:p>
@@ -666,7 +674,7 @@
           <a:p>
             <a:fld id="{3C624DF0-9767-4299-8089-7BA4633F72BC}" type="datetimeFigureOut">
               <a:rPr lang="ru-RU" smtClean="0"/>
-              <a:t>10.12.2016</a:t>
+              <a:t>23.12.2016</a:t>
             </a:fld>
             <a:endParaRPr lang="ru-RU"/>
           </a:p>
@@ -784,7 +792,7 @@
           <a:p>
             <a:fld id="{3C624DF0-9767-4299-8089-7BA4633F72BC}" type="datetimeFigureOut">
               <a:rPr lang="ru-RU" smtClean="0"/>
-              <a:t>10.12.2016</a:t>
+              <a:t>23.12.2016</a:t>
             </a:fld>
             <a:endParaRPr lang="ru-RU"/>
           </a:p>
@@ -1082,7 +1090,7 @@
           <a:p>
             <a:fld id="{3C624DF0-9767-4299-8089-7BA4633F72BC}" type="datetimeFigureOut">
               <a:rPr lang="ru-RU" smtClean="0"/>
-              <a:t>10.12.2016</a:t>
+              <a:t>23.12.2016</a:t>
             </a:fld>
             <a:endParaRPr lang="ru-RU"/>
           </a:p>
@@ -1375,7 +1383,7 @@
           <a:p>
             <a:fld id="{3C624DF0-9767-4299-8089-7BA4633F72BC}" type="datetimeFigureOut">
               <a:rPr lang="ru-RU" smtClean="0"/>
-              <a:t>10.12.2016</a:t>
+              <a:t>23.12.2016</a:t>
             </a:fld>
             <a:endParaRPr lang="ru-RU"/>
           </a:p>
@@ -1803,7 +1811,7 @@
           <a:p>
             <a:fld id="{3C624DF0-9767-4299-8089-7BA4633F72BC}" type="datetimeFigureOut">
               <a:rPr lang="ru-RU" smtClean="0"/>
-              <a:t>10.12.2016</a:t>
+              <a:t>23.12.2016</a:t>
             </a:fld>
             <a:endParaRPr lang="ru-RU"/>
           </a:p>
@@ -1921,7 +1929,7 @@
           <a:p>
             <a:fld id="{3C624DF0-9767-4299-8089-7BA4633F72BC}" type="datetimeFigureOut">
               <a:rPr lang="ru-RU" smtClean="0"/>
-              <a:t>10.12.2016</a:t>
+              <a:t>23.12.2016</a:t>
             </a:fld>
             <a:endParaRPr lang="ru-RU"/>
           </a:p>
@@ -2011,7 +2019,7 @@
           <a:p>
             <a:fld id="{3C624DF0-9767-4299-8089-7BA4633F72BC}" type="datetimeFigureOut">
               <a:rPr lang="ru-RU" smtClean="0"/>
-              <a:t>10.12.2016</a:t>
+              <a:t>23.12.2016</a:t>
             </a:fld>
             <a:endParaRPr lang="ru-RU"/>
           </a:p>
@@ -2261,7 +2269,7 @@
           <a:p>
             <a:fld id="{3C624DF0-9767-4299-8089-7BA4633F72BC}" type="datetimeFigureOut">
               <a:rPr lang="ru-RU" smtClean="0"/>
-              <a:t>10.12.2016</a:t>
+              <a:t>23.12.2016</a:t>
             </a:fld>
             <a:endParaRPr lang="ru-RU"/>
           </a:p>
@@ -2777,7 +2785,7 @@
           <a:p>
             <a:fld id="{3C624DF0-9767-4299-8089-7BA4633F72BC}" type="datetimeFigureOut">
               <a:rPr lang="ru-RU" smtClean="0"/>
-              <a:t>10.12.2016</a:t>
+              <a:t>23.12.2016</a:t>
             </a:fld>
             <a:endParaRPr lang="ru-RU"/>
           </a:p>
@@ -3007,7 +3015,7 @@
           <a:p>
             <a:fld id="{3C624DF0-9767-4299-8089-7BA4633F72BC}" type="datetimeFigureOut">
               <a:rPr lang="ru-RU" smtClean="0"/>
-              <a:t>10.12.2016</a:t>
+              <a:t>23.12.2016</a:t>
             </a:fld>
             <a:endParaRPr lang="ru-RU"/>
           </a:p>
@@ -3605,6 +3613,4214 @@
           <a:p>
             <a:r>
               <a:rPr lang="ru-RU" cap="none" dirty="0" smtClean="0"/>
+              <a:t>Тест(</a:t>
+            </a:r>
+            <a:r>
+              <a:rPr lang="en-US" cap="none" dirty="0" smtClean="0"/>
+              <a:t> push(0, 5)</a:t>
+            </a:r>
+            <a:r>
+              <a:rPr lang="ru-RU" cap="none" dirty="0" smtClean="0"/>
+              <a:t>)</a:t>
+            </a:r>
+            <a:endParaRPr lang="ru-RU" cap="none" dirty="0"/>
+          </a:p>
+        </p:txBody>
+      </p:sp>
+      <p:sp>
+        <p:nvSpPr>
+          <p:cNvPr id="3" name="Объект 2"/>
+          <p:cNvSpPr>
+            <a:spLocks noGrp="1"/>
+          </p:cNvSpPr>
+          <p:nvPr>
+            <p:ph sz="quarter" idx="13"/>
+          </p:nvPr>
+        </p:nvSpPr>
+        <p:spPr/>
+        <p:txBody>
+          <a:bodyPr/>
+          <a:lstStyle/>
+          <a:p>
+            <a:endParaRPr lang="ru-RU" dirty="0"/>
+          </a:p>
+        </p:txBody>
+      </p:sp>
+      <p:sp>
+        <p:nvSpPr>
+          <p:cNvPr id="4" name="Овал 3"/>
+          <p:cNvSpPr/>
+          <p:nvPr/>
+        </p:nvSpPr>
+        <p:spPr>
+          <a:xfrm>
+            <a:off x="2638822" y="2022278"/>
+            <a:ext cx="864096" cy="792088"/>
+          </a:xfrm>
+          <a:prstGeom prst="ellipse">
+            <a:avLst/>
+          </a:prstGeom>
+          <a:solidFill>
+            <a:srgbClr val="00B050"/>
+          </a:solidFill>
+        </p:spPr>
+        <p:style>
+          <a:lnRef idx="2">
+            <a:schemeClr val="accent1">
+              <a:shade val="50000"/>
+            </a:schemeClr>
+          </a:lnRef>
+          <a:fillRef idx="1">
+            <a:schemeClr val="accent1"/>
+          </a:fillRef>
+          <a:effectRef idx="0">
+            <a:schemeClr val="accent1"/>
+          </a:effectRef>
+          <a:fontRef idx="minor">
+            <a:schemeClr val="lt1"/>
+          </a:fontRef>
+        </p:style>
+        <p:txBody>
+          <a:bodyPr rtlCol="0" anchor="ctr"/>
+          <a:lstStyle/>
+          <a:p>
+            <a:pPr algn="ctr"/>
+            <a:r>
+              <a:rPr lang="en-US" dirty="0"/>
+              <a:t>v</a:t>
+            </a:r>
+            <a:r>
+              <a:rPr lang="en-US" dirty="0" smtClean="0"/>
+              <a:t>=0</a:t>
+            </a:r>
+          </a:p>
+          <a:p>
+            <a:pPr algn="ctr"/>
+            <a:r>
+              <a:rPr lang="en-US" dirty="0" smtClean="0"/>
+              <a:t>d=0</a:t>
+            </a:r>
+            <a:endParaRPr lang="en-US" dirty="0"/>
+          </a:p>
+        </p:txBody>
+      </p:sp>
+      <p:sp>
+        <p:nvSpPr>
+          <p:cNvPr id="8" name="Овал 7"/>
+          <p:cNvSpPr/>
+          <p:nvPr/>
+        </p:nvSpPr>
+        <p:spPr>
+          <a:xfrm>
+            <a:off x="1484929" y="3355883"/>
+            <a:ext cx="864096" cy="792088"/>
+          </a:xfrm>
+          <a:prstGeom prst="ellipse">
+            <a:avLst/>
+          </a:prstGeom>
+          <a:solidFill>
+            <a:srgbClr val="7030A0"/>
+          </a:solidFill>
+        </p:spPr>
+        <p:style>
+          <a:lnRef idx="2">
+            <a:schemeClr val="accent1">
+              <a:shade val="50000"/>
+            </a:schemeClr>
+          </a:lnRef>
+          <a:fillRef idx="1">
+            <a:schemeClr val="accent1"/>
+          </a:fillRef>
+          <a:effectRef idx="0">
+            <a:schemeClr val="accent1"/>
+          </a:effectRef>
+          <a:fontRef idx="minor">
+            <a:schemeClr val="lt1"/>
+          </a:fontRef>
+        </p:style>
+        <p:txBody>
+          <a:bodyPr rtlCol="0" anchor="ctr"/>
+          <a:lstStyle/>
+          <a:p>
+            <a:pPr algn="ctr"/>
+            <a:r>
+              <a:rPr lang="en-US" dirty="0" smtClean="0"/>
+              <a:t>v=1</a:t>
+            </a:r>
+          </a:p>
+          <a:p>
+            <a:pPr algn="ctr"/>
+            <a:r>
+              <a:rPr lang="en-US" dirty="0" smtClean="0"/>
+              <a:t>d=5</a:t>
+            </a:r>
+            <a:endParaRPr lang="en-US" dirty="0"/>
+          </a:p>
+        </p:txBody>
+      </p:sp>
+      <p:cxnSp>
+        <p:nvCxnSpPr>
+          <p:cNvPr id="12" name="Прямая со стрелкой 11"/>
+          <p:cNvCxnSpPr>
+            <a:stCxn id="8" idx="7"/>
+            <a:endCxn id="4" idx="3"/>
+          </p:cNvCxnSpPr>
+          <p:nvPr/>
+        </p:nvCxnSpPr>
+        <p:spPr>
+          <a:xfrm flipV="1">
+            <a:off x="2222481" y="2698367"/>
+            <a:ext cx="542885" cy="773515"/>
+          </a:xfrm>
+          <a:prstGeom prst="straightConnector1">
+            <a:avLst/>
+          </a:prstGeom>
+          <a:ln>
+            <a:tailEnd type="arrow"/>
+          </a:ln>
+        </p:spPr>
+        <p:style>
+          <a:lnRef idx="1">
+            <a:schemeClr val="accent1"/>
+          </a:lnRef>
+          <a:fillRef idx="0">
+            <a:schemeClr val="accent1"/>
+          </a:fillRef>
+          <a:effectRef idx="0">
+            <a:schemeClr val="accent1"/>
+          </a:effectRef>
+          <a:fontRef idx="minor">
+            <a:schemeClr val="tx1"/>
+          </a:fontRef>
+        </p:style>
+      </p:cxnSp>
+    </p:spTree>
+    <p:extLst>
+      <p:ext uri="{BB962C8B-B14F-4D97-AF65-F5344CB8AC3E}">
+        <p14:creationId xmlns:p14="http://schemas.microsoft.com/office/powerpoint/2010/main" val="2591875167"/>
+      </p:ext>
+    </p:extLst>
+  </p:cSld>
+  <p:clrMapOvr>
+    <a:masterClrMapping/>
+  </p:clrMapOvr>
+</p:sld>
+</file>
+
+<file path=ppt/slides/slide11.xml><?xml version="1.0" encoding="utf-8"?>
+<p:sld xmlns:a="http://schemas.openxmlformats.org/drawingml/2006/main" xmlns:r="http://schemas.openxmlformats.org/officeDocument/2006/relationships" xmlns:p="http://schemas.openxmlformats.org/presentationml/2006/main">
+  <p:cSld>
+    <p:spTree>
+      <p:nvGrpSpPr>
+        <p:cNvPr id="1" name=""/>
+        <p:cNvGrpSpPr/>
+        <p:nvPr/>
+      </p:nvGrpSpPr>
+      <p:grpSpPr>
+        <a:xfrm>
+          <a:off x="0" y="0"/>
+          <a:ext cx="0" cy="0"/>
+          <a:chOff x="0" y="0"/>
+          <a:chExt cx="0" cy="0"/>
+        </a:xfrm>
+      </p:grpSpPr>
+      <p:sp>
+        <p:nvSpPr>
+          <p:cNvPr id="2" name="Заголовок 1"/>
+          <p:cNvSpPr>
+            <a:spLocks noGrp="1"/>
+          </p:cNvSpPr>
+          <p:nvPr>
+            <p:ph type="title"/>
+          </p:nvPr>
+        </p:nvSpPr>
+        <p:spPr/>
+        <p:txBody>
+          <a:bodyPr/>
+          <a:lstStyle/>
+          <a:p>
+            <a:r>
+              <a:rPr lang="ru-RU" cap="none" dirty="0" smtClean="0"/>
+              <a:t>Тест(</a:t>
+            </a:r>
+            <a:r>
+              <a:rPr lang="en-US" cap="none" dirty="0" smtClean="0"/>
+              <a:t> push(0, 2)</a:t>
+            </a:r>
+            <a:r>
+              <a:rPr lang="ru-RU" cap="none" dirty="0" smtClean="0"/>
+              <a:t>)</a:t>
+            </a:r>
+            <a:endParaRPr lang="ru-RU" cap="none" dirty="0"/>
+          </a:p>
+        </p:txBody>
+      </p:sp>
+      <p:sp>
+        <p:nvSpPr>
+          <p:cNvPr id="3" name="Объект 2"/>
+          <p:cNvSpPr>
+            <a:spLocks noGrp="1"/>
+          </p:cNvSpPr>
+          <p:nvPr>
+            <p:ph sz="quarter" idx="13"/>
+          </p:nvPr>
+        </p:nvSpPr>
+        <p:spPr/>
+        <p:txBody>
+          <a:bodyPr/>
+          <a:lstStyle/>
+          <a:p>
+            <a:endParaRPr lang="ru-RU" dirty="0"/>
+          </a:p>
+        </p:txBody>
+      </p:sp>
+      <p:sp>
+        <p:nvSpPr>
+          <p:cNvPr id="4" name="Овал 3"/>
+          <p:cNvSpPr/>
+          <p:nvPr/>
+        </p:nvSpPr>
+        <p:spPr>
+          <a:xfrm>
+            <a:off x="2638822" y="2022278"/>
+            <a:ext cx="864096" cy="792088"/>
+          </a:xfrm>
+          <a:prstGeom prst="ellipse">
+            <a:avLst/>
+          </a:prstGeom>
+          <a:solidFill>
+            <a:srgbClr val="00B050"/>
+          </a:solidFill>
+        </p:spPr>
+        <p:style>
+          <a:lnRef idx="2">
+            <a:schemeClr val="accent1">
+              <a:shade val="50000"/>
+            </a:schemeClr>
+          </a:lnRef>
+          <a:fillRef idx="1">
+            <a:schemeClr val="accent1"/>
+          </a:fillRef>
+          <a:effectRef idx="0">
+            <a:schemeClr val="accent1"/>
+          </a:effectRef>
+          <a:fontRef idx="minor">
+            <a:schemeClr val="lt1"/>
+          </a:fontRef>
+        </p:style>
+        <p:txBody>
+          <a:bodyPr rtlCol="0" anchor="ctr"/>
+          <a:lstStyle/>
+          <a:p>
+            <a:pPr algn="ctr"/>
+            <a:r>
+              <a:rPr lang="en-US" dirty="0"/>
+              <a:t>v</a:t>
+            </a:r>
+            <a:r>
+              <a:rPr lang="en-US" dirty="0" smtClean="0"/>
+              <a:t>=0</a:t>
+            </a:r>
+          </a:p>
+          <a:p>
+            <a:pPr algn="ctr"/>
+            <a:r>
+              <a:rPr lang="en-US" dirty="0" smtClean="0"/>
+              <a:t>d=0</a:t>
+            </a:r>
+            <a:endParaRPr lang="en-US" dirty="0"/>
+          </a:p>
+        </p:txBody>
+      </p:sp>
+      <p:sp>
+        <p:nvSpPr>
+          <p:cNvPr id="8" name="Овал 7"/>
+          <p:cNvSpPr/>
+          <p:nvPr/>
+        </p:nvSpPr>
+        <p:spPr>
+          <a:xfrm>
+            <a:off x="1484929" y="3355883"/>
+            <a:ext cx="864096" cy="792088"/>
+          </a:xfrm>
+          <a:prstGeom prst="ellipse">
+            <a:avLst/>
+          </a:prstGeom>
+          <a:solidFill>
+            <a:srgbClr val="7030A0"/>
+          </a:solidFill>
+        </p:spPr>
+        <p:style>
+          <a:lnRef idx="2">
+            <a:schemeClr val="accent1">
+              <a:shade val="50000"/>
+            </a:schemeClr>
+          </a:lnRef>
+          <a:fillRef idx="1">
+            <a:schemeClr val="accent1"/>
+          </a:fillRef>
+          <a:effectRef idx="0">
+            <a:schemeClr val="accent1"/>
+          </a:effectRef>
+          <a:fontRef idx="minor">
+            <a:schemeClr val="lt1"/>
+          </a:fontRef>
+        </p:style>
+        <p:txBody>
+          <a:bodyPr rtlCol="0" anchor="ctr"/>
+          <a:lstStyle/>
+          <a:p>
+            <a:pPr algn="ctr"/>
+            <a:r>
+              <a:rPr lang="en-US" dirty="0" smtClean="0"/>
+              <a:t>v=1</a:t>
+            </a:r>
+          </a:p>
+          <a:p>
+            <a:pPr algn="ctr"/>
+            <a:r>
+              <a:rPr lang="en-US" dirty="0" smtClean="0"/>
+              <a:t>d=5</a:t>
+            </a:r>
+            <a:endParaRPr lang="en-US" dirty="0"/>
+          </a:p>
+        </p:txBody>
+      </p:sp>
+      <p:cxnSp>
+        <p:nvCxnSpPr>
+          <p:cNvPr id="12" name="Прямая со стрелкой 11"/>
+          <p:cNvCxnSpPr>
+            <a:stCxn id="8" idx="7"/>
+            <a:endCxn id="4" idx="3"/>
+          </p:cNvCxnSpPr>
+          <p:nvPr/>
+        </p:nvCxnSpPr>
+        <p:spPr>
+          <a:xfrm flipV="1">
+            <a:off x="2222481" y="2698367"/>
+            <a:ext cx="542885" cy="773515"/>
+          </a:xfrm>
+          <a:prstGeom prst="straightConnector1">
+            <a:avLst/>
+          </a:prstGeom>
+          <a:ln>
+            <a:tailEnd type="arrow"/>
+          </a:ln>
+        </p:spPr>
+        <p:style>
+          <a:lnRef idx="1">
+            <a:schemeClr val="accent1"/>
+          </a:lnRef>
+          <a:fillRef idx="0">
+            <a:schemeClr val="accent1"/>
+          </a:fillRef>
+          <a:effectRef idx="0">
+            <a:schemeClr val="accent1"/>
+          </a:effectRef>
+          <a:fontRef idx="minor">
+            <a:schemeClr val="tx1"/>
+          </a:fontRef>
+        </p:style>
+      </p:cxnSp>
+      <p:sp>
+        <p:nvSpPr>
+          <p:cNvPr id="10" name="Овал 9"/>
+          <p:cNvSpPr/>
+          <p:nvPr/>
+        </p:nvSpPr>
+        <p:spPr>
+          <a:xfrm>
+            <a:off x="2638822" y="3355883"/>
+            <a:ext cx="864096" cy="792088"/>
+          </a:xfrm>
+          <a:prstGeom prst="ellipse">
+            <a:avLst/>
+          </a:prstGeom>
+          <a:solidFill>
+            <a:srgbClr val="7030A0"/>
+          </a:solidFill>
+        </p:spPr>
+        <p:style>
+          <a:lnRef idx="2">
+            <a:schemeClr val="accent1">
+              <a:shade val="50000"/>
+            </a:schemeClr>
+          </a:lnRef>
+          <a:fillRef idx="1">
+            <a:schemeClr val="accent1"/>
+          </a:fillRef>
+          <a:effectRef idx="0">
+            <a:schemeClr val="accent1"/>
+          </a:effectRef>
+          <a:fontRef idx="minor">
+            <a:schemeClr val="lt1"/>
+          </a:fontRef>
+        </p:style>
+        <p:txBody>
+          <a:bodyPr rtlCol="0" anchor="ctr"/>
+          <a:lstStyle/>
+          <a:p>
+            <a:pPr algn="ctr"/>
+            <a:r>
+              <a:rPr lang="en-US" dirty="0" smtClean="0"/>
+              <a:t>v=2</a:t>
+            </a:r>
+          </a:p>
+          <a:p>
+            <a:pPr algn="ctr"/>
+            <a:r>
+              <a:rPr lang="en-US" dirty="0" smtClean="0"/>
+              <a:t>d=2</a:t>
+            </a:r>
+            <a:endParaRPr lang="en-US" dirty="0"/>
+          </a:p>
+        </p:txBody>
+      </p:sp>
+      <p:cxnSp>
+        <p:nvCxnSpPr>
+          <p:cNvPr id="11" name="Прямая со стрелкой 10"/>
+          <p:cNvCxnSpPr>
+            <a:stCxn id="10" idx="0"/>
+            <a:endCxn id="4" idx="4"/>
+          </p:cNvCxnSpPr>
+          <p:nvPr/>
+        </p:nvCxnSpPr>
+        <p:spPr>
+          <a:xfrm flipV="1">
+            <a:off x="3070870" y="2814366"/>
+            <a:ext cx="0" cy="541517"/>
+          </a:xfrm>
+          <a:prstGeom prst="straightConnector1">
+            <a:avLst/>
+          </a:prstGeom>
+          <a:ln>
+            <a:tailEnd type="arrow"/>
+          </a:ln>
+        </p:spPr>
+        <p:style>
+          <a:lnRef idx="1">
+            <a:schemeClr val="accent1"/>
+          </a:lnRef>
+          <a:fillRef idx="0">
+            <a:schemeClr val="accent1"/>
+          </a:fillRef>
+          <a:effectRef idx="0">
+            <a:schemeClr val="accent1"/>
+          </a:effectRef>
+          <a:fontRef idx="minor">
+            <a:schemeClr val="tx1"/>
+          </a:fontRef>
+        </p:style>
+      </p:cxnSp>
+    </p:spTree>
+    <p:extLst>
+      <p:ext uri="{BB962C8B-B14F-4D97-AF65-F5344CB8AC3E}">
+        <p14:creationId xmlns:p14="http://schemas.microsoft.com/office/powerpoint/2010/main" val="1942083393"/>
+      </p:ext>
+    </p:extLst>
+  </p:cSld>
+  <p:clrMapOvr>
+    <a:masterClrMapping/>
+  </p:clrMapOvr>
+</p:sld>
+</file>
+
+<file path=ppt/slides/slide12.xml><?xml version="1.0" encoding="utf-8"?>
+<p:sld xmlns:a="http://schemas.openxmlformats.org/drawingml/2006/main" xmlns:r="http://schemas.openxmlformats.org/officeDocument/2006/relationships" xmlns:p="http://schemas.openxmlformats.org/presentationml/2006/main">
+  <p:cSld>
+    <p:spTree>
+      <p:nvGrpSpPr>
+        <p:cNvPr id="1" name=""/>
+        <p:cNvGrpSpPr/>
+        <p:nvPr/>
+      </p:nvGrpSpPr>
+      <p:grpSpPr>
+        <a:xfrm>
+          <a:off x="0" y="0"/>
+          <a:ext cx="0" cy="0"/>
+          <a:chOff x="0" y="0"/>
+          <a:chExt cx="0" cy="0"/>
+        </a:xfrm>
+      </p:grpSpPr>
+      <p:sp>
+        <p:nvSpPr>
+          <p:cNvPr id="2" name="Заголовок 1"/>
+          <p:cNvSpPr>
+            <a:spLocks noGrp="1"/>
+          </p:cNvSpPr>
+          <p:nvPr>
+            <p:ph type="title"/>
+          </p:nvPr>
+        </p:nvSpPr>
+        <p:spPr/>
+        <p:txBody>
+          <a:bodyPr/>
+          <a:lstStyle/>
+          <a:p>
+            <a:r>
+              <a:rPr lang="ru-RU" cap="none" dirty="0" smtClean="0"/>
+              <a:t>Тест(</a:t>
+            </a:r>
+            <a:r>
+              <a:rPr lang="en-US" cap="none" dirty="0" smtClean="0"/>
+              <a:t> push(0, 7)</a:t>
+            </a:r>
+            <a:r>
+              <a:rPr lang="ru-RU" cap="none" dirty="0" smtClean="0"/>
+              <a:t>)</a:t>
+            </a:r>
+            <a:endParaRPr lang="ru-RU" cap="none" dirty="0"/>
+          </a:p>
+        </p:txBody>
+      </p:sp>
+      <p:sp>
+        <p:nvSpPr>
+          <p:cNvPr id="3" name="Объект 2"/>
+          <p:cNvSpPr>
+            <a:spLocks noGrp="1"/>
+          </p:cNvSpPr>
+          <p:nvPr>
+            <p:ph sz="quarter" idx="13"/>
+          </p:nvPr>
+        </p:nvSpPr>
+        <p:spPr/>
+        <p:txBody>
+          <a:bodyPr/>
+          <a:lstStyle/>
+          <a:p>
+            <a:endParaRPr lang="ru-RU" dirty="0"/>
+          </a:p>
+        </p:txBody>
+      </p:sp>
+      <p:sp>
+        <p:nvSpPr>
+          <p:cNvPr id="4" name="Овал 3"/>
+          <p:cNvSpPr/>
+          <p:nvPr/>
+        </p:nvSpPr>
+        <p:spPr>
+          <a:xfrm>
+            <a:off x="2638822" y="2022278"/>
+            <a:ext cx="864096" cy="792088"/>
+          </a:xfrm>
+          <a:prstGeom prst="ellipse">
+            <a:avLst/>
+          </a:prstGeom>
+          <a:solidFill>
+            <a:srgbClr val="00B050"/>
+          </a:solidFill>
+        </p:spPr>
+        <p:style>
+          <a:lnRef idx="2">
+            <a:schemeClr val="accent1">
+              <a:shade val="50000"/>
+            </a:schemeClr>
+          </a:lnRef>
+          <a:fillRef idx="1">
+            <a:schemeClr val="accent1"/>
+          </a:fillRef>
+          <a:effectRef idx="0">
+            <a:schemeClr val="accent1"/>
+          </a:effectRef>
+          <a:fontRef idx="minor">
+            <a:schemeClr val="lt1"/>
+          </a:fontRef>
+        </p:style>
+        <p:txBody>
+          <a:bodyPr rtlCol="0" anchor="ctr"/>
+          <a:lstStyle/>
+          <a:p>
+            <a:pPr algn="ctr"/>
+            <a:r>
+              <a:rPr lang="en-US" dirty="0"/>
+              <a:t>v</a:t>
+            </a:r>
+            <a:r>
+              <a:rPr lang="en-US" dirty="0" smtClean="0"/>
+              <a:t>=0</a:t>
+            </a:r>
+          </a:p>
+          <a:p>
+            <a:pPr algn="ctr"/>
+            <a:r>
+              <a:rPr lang="en-US" dirty="0" smtClean="0"/>
+              <a:t>d=0</a:t>
+            </a:r>
+            <a:endParaRPr lang="en-US" dirty="0"/>
+          </a:p>
+        </p:txBody>
+      </p:sp>
+      <p:sp>
+        <p:nvSpPr>
+          <p:cNvPr id="8" name="Овал 7"/>
+          <p:cNvSpPr/>
+          <p:nvPr/>
+        </p:nvSpPr>
+        <p:spPr>
+          <a:xfrm>
+            <a:off x="1484929" y="3355883"/>
+            <a:ext cx="864096" cy="792088"/>
+          </a:xfrm>
+          <a:prstGeom prst="ellipse">
+            <a:avLst/>
+          </a:prstGeom>
+          <a:solidFill>
+            <a:srgbClr val="7030A0"/>
+          </a:solidFill>
+        </p:spPr>
+        <p:style>
+          <a:lnRef idx="2">
+            <a:schemeClr val="accent1">
+              <a:shade val="50000"/>
+            </a:schemeClr>
+          </a:lnRef>
+          <a:fillRef idx="1">
+            <a:schemeClr val="accent1"/>
+          </a:fillRef>
+          <a:effectRef idx="0">
+            <a:schemeClr val="accent1"/>
+          </a:effectRef>
+          <a:fontRef idx="minor">
+            <a:schemeClr val="lt1"/>
+          </a:fontRef>
+        </p:style>
+        <p:txBody>
+          <a:bodyPr rtlCol="0" anchor="ctr"/>
+          <a:lstStyle/>
+          <a:p>
+            <a:pPr algn="ctr"/>
+            <a:r>
+              <a:rPr lang="en-US" dirty="0" smtClean="0"/>
+              <a:t>v=1</a:t>
+            </a:r>
+          </a:p>
+          <a:p>
+            <a:pPr algn="ctr"/>
+            <a:r>
+              <a:rPr lang="en-US" dirty="0" smtClean="0"/>
+              <a:t>d=5</a:t>
+            </a:r>
+            <a:endParaRPr lang="en-US" dirty="0"/>
+          </a:p>
+        </p:txBody>
+      </p:sp>
+      <p:cxnSp>
+        <p:nvCxnSpPr>
+          <p:cNvPr id="12" name="Прямая со стрелкой 11"/>
+          <p:cNvCxnSpPr>
+            <a:stCxn id="8" idx="7"/>
+            <a:endCxn id="4" idx="3"/>
+          </p:cNvCxnSpPr>
+          <p:nvPr/>
+        </p:nvCxnSpPr>
+        <p:spPr>
+          <a:xfrm flipV="1">
+            <a:off x="2222481" y="2698367"/>
+            <a:ext cx="542885" cy="773515"/>
+          </a:xfrm>
+          <a:prstGeom prst="straightConnector1">
+            <a:avLst/>
+          </a:prstGeom>
+          <a:ln>
+            <a:tailEnd type="arrow"/>
+          </a:ln>
+        </p:spPr>
+        <p:style>
+          <a:lnRef idx="1">
+            <a:schemeClr val="accent1"/>
+          </a:lnRef>
+          <a:fillRef idx="0">
+            <a:schemeClr val="accent1"/>
+          </a:fillRef>
+          <a:effectRef idx="0">
+            <a:schemeClr val="accent1"/>
+          </a:effectRef>
+          <a:fontRef idx="minor">
+            <a:schemeClr val="tx1"/>
+          </a:fontRef>
+        </p:style>
+      </p:cxnSp>
+      <p:sp>
+        <p:nvSpPr>
+          <p:cNvPr id="10" name="Овал 9"/>
+          <p:cNvSpPr/>
+          <p:nvPr/>
+        </p:nvSpPr>
+        <p:spPr>
+          <a:xfrm>
+            <a:off x="2638822" y="3355883"/>
+            <a:ext cx="864096" cy="792088"/>
+          </a:xfrm>
+          <a:prstGeom prst="ellipse">
+            <a:avLst/>
+          </a:prstGeom>
+          <a:solidFill>
+            <a:srgbClr val="7030A0"/>
+          </a:solidFill>
+        </p:spPr>
+        <p:style>
+          <a:lnRef idx="2">
+            <a:schemeClr val="accent1">
+              <a:shade val="50000"/>
+            </a:schemeClr>
+          </a:lnRef>
+          <a:fillRef idx="1">
+            <a:schemeClr val="accent1"/>
+          </a:fillRef>
+          <a:effectRef idx="0">
+            <a:schemeClr val="accent1"/>
+          </a:effectRef>
+          <a:fontRef idx="minor">
+            <a:schemeClr val="lt1"/>
+          </a:fontRef>
+        </p:style>
+        <p:txBody>
+          <a:bodyPr rtlCol="0" anchor="ctr"/>
+          <a:lstStyle/>
+          <a:p>
+            <a:pPr algn="ctr"/>
+            <a:r>
+              <a:rPr lang="en-US" dirty="0" smtClean="0"/>
+              <a:t>v=2</a:t>
+            </a:r>
+          </a:p>
+          <a:p>
+            <a:pPr algn="ctr"/>
+            <a:r>
+              <a:rPr lang="en-US" dirty="0" smtClean="0"/>
+              <a:t>d=2</a:t>
+            </a:r>
+            <a:endParaRPr lang="en-US" dirty="0"/>
+          </a:p>
+        </p:txBody>
+      </p:sp>
+      <p:cxnSp>
+        <p:nvCxnSpPr>
+          <p:cNvPr id="11" name="Прямая со стрелкой 10"/>
+          <p:cNvCxnSpPr>
+            <a:stCxn id="10" idx="0"/>
+            <a:endCxn id="4" idx="4"/>
+          </p:cNvCxnSpPr>
+          <p:nvPr/>
+        </p:nvCxnSpPr>
+        <p:spPr>
+          <a:xfrm flipV="1">
+            <a:off x="3070870" y="2814366"/>
+            <a:ext cx="0" cy="541517"/>
+          </a:xfrm>
+          <a:prstGeom prst="straightConnector1">
+            <a:avLst/>
+          </a:prstGeom>
+          <a:ln>
+            <a:tailEnd type="arrow"/>
+          </a:ln>
+        </p:spPr>
+        <p:style>
+          <a:lnRef idx="1">
+            <a:schemeClr val="accent1"/>
+          </a:lnRef>
+          <a:fillRef idx="0">
+            <a:schemeClr val="accent1"/>
+          </a:fillRef>
+          <a:effectRef idx="0">
+            <a:schemeClr val="accent1"/>
+          </a:effectRef>
+          <a:fontRef idx="minor">
+            <a:schemeClr val="tx1"/>
+          </a:fontRef>
+        </p:style>
+      </p:cxnSp>
+      <p:sp>
+        <p:nvSpPr>
+          <p:cNvPr id="9" name="Овал 8"/>
+          <p:cNvSpPr/>
+          <p:nvPr/>
+        </p:nvSpPr>
+        <p:spPr>
+          <a:xfrm>
+            <a:off x="3862958" y="3355883"/>
+            <a:ext cx="864096" cy="792088"/>
+          </a:xfrm>
+          <a:prstGeom prst="ellipse">
+            <a:avLst/>
+          </a:prstGeom>
+          <a:solidFill>
+            <a:srgbClr val="7030A0"/>
+          </a:solidFill>
+        </p:spPr>
+        <p:style>
+          <a:lnRef idx="2">
+            <a:schemeClr val="accent1">
+              <a:shade val="50000"/>
+            </a:schemeClr>
+          </a:lnRef>
+          <a:fillRef idx="1">
+            <a:schemeClr val="accent1"/>
+          </a:fillRef>
+          <a:effectRef idx="0">
+            <a:schemeClr val="accent1"/>
+          </a:effectRef>
+          <a:fontRef idx="minor">
+            <a:schemeClr val="lt1"/>
+          </a:fontRef>
+        </p:style>
+        <p:txBody>
+          <a:bodyPr rtlCol="0" anchor="ctr"/>
+          <a:lstStyle/>
+          <a:p>
+            <a:pPr algn="ctr"/>
+            <a:r>
+              <a:rPr lang="en-US" dirty="0" smtClean="0"/>
+              <a:t>v=3</a:t>
+            </a:r>
+          </a:p>
+          <a:p>
+            <a:pPr algn="ctr"/>
+            <a:r>
+              <a:rPr lang="en-US" dirty="0" smtClean="0"/>
+              <a:t>d=7</a:t>
+            </a:r>
+            <a:endParaRPr lang="en-US" dirty="0"/>
+          </a:p>
+        </p:txBody>
+      </p:sp>
+      <p:cxnSp>
+        <p:nvCxnSpPr>
+          <p:cNvPr id="6" name="Прямая со стрелкой 5"/>
+          <p:cNvCxnSpPr>
+            <a:stCxn id="9" idx="1"/>
+            <a:endCxn id="4" idx="5"/>
+          </p:cNvCxnSpPr>
+          <p:nvPr/>
+        </p:nvCxnSpPr>
+        <p:spPr>
+          <a:xfrm flipH="1" flipV="1">
+            <a:off x="3376374" y="2698367"/>
+            <a:ext cx="613128" cy="773515"/>
+          </a:xfrm>
+          <a:prstGeom prst="straightConnector1">
+            <a:avLst/>
+          </a:prstGeom>
+          <a:ln>
+            <a:tailEnd type="arrow"/>
+          </a:ln>
+        </p:spPr>
+        <p:style>
+          <a:lnRef idx="1">
+            <a:schemeClr val="accent1"/>
+          </a:lnRef>
+          <a:fillRef idx="0">
+            <a:schemeClr val="accent1"/>
+          </a:fillRef>
+          <a:effectRef idx="0">
+            <a:schemeClr val="accent1"/>
+          </a:effectRef>
+          <a:fontRef idx="minor">
+            <a:schemeClr val="tx1"/>
+          </a:fontRef>
+        </p:style>
+      </p:cxnSp>
+    </p:spTree>
+    <p:extLst>
+      <p:ext uri="{BB962C8B-B14F-4D97-AF65-F5344CB8AC3E}">
+        <p14:creationId xmlns:p14="http://schemas.microsoft.com/office/powerpoint/2010/main" val="327965666"/>
+      </p:ext>
+    </p:extLst>
+  </p:cSld>
+  <p:clrMapOvr>
+    <a:masterClrMapping/>
+  </p:clrMapOvr>
+</p:sld>
+</file>
+
+<file path=ppt/slides/slide13.xml><?xml version="1.0" encoding="utf-8"?>
+<p:sld xmlns:a="http://schemas.openxmlformats.org/drawingml/2006/main" xmlns:r="http://schemas.openxmlformats.org/officeDocument/2006/relationships" xmlns:p="http://schemas.openxmlformats.org/presentationml/2006/main">
+  <p:cSld>
+    <p:spTree>
+      <p:nvGrpSpPr>
+        <p:cNvPr id="1" name=""/>
+        <p:cNvGrpSpPr/>
+        <p:nvPr/>
+      </p:nvGrpSpPr>
+      <p:grpSpPr>
+        <a:xfrm>
+          <a:off x="0" y="0"/>
+          <a:ext cx="0" cy="0"/>
+          <a:chOff x="0" y="0"/>
+          <a:chExt cx="0" cy="0"/>
+        </a:xfrm>
+      </p:grpSpPr>
+      <p:sp>
+        <p:nvSpPr>
+          <p:cNvPr id="2" name="Заголовок 1"/>
+          <p:cNvSpPr>
+            <a:spLocks noGrp="1"/>
+          </p:cNvSpPr>
+          <p:nvPr>
+            <p:ph type="title"/>
+          </p:nvPr>
+        </p:nvSpPr>
+        <p:spPr/>
+        <p:txBody>
+          <a:bodyPr/>
+          <a:lstStyle/>
+          <a:p>
+            <a:r>
+              <a:rPr lang="ru-RU" cap="none" dirty="0" smtClean="0"/>
+              <a:t>Тест(</a:t>
+            </a:r>
+            <a:r>
+              <a:rPr lang="en-US" cap="none" dirty="0" smtClean="0"/>
+              <a:t> push(2, </a:t>
+            </a:r>
+            <a:r>
+              <a:rPr lang="en-US" cap="none" dirty="0"/>
+              <a:t>3</a:t>
+            </a:r>
+            <a:r>
+              <a:rPr lang="en-US" cap="none" dirty="0" smtClean="0"/>
+              <a:t>)</a:t>
+            </a:r>
+            <a:r>
+              <a:rPr lang="ru-RU" cap="none" dirty="0" smtClean="0"/>
+              <a:t>)</a:t>
+            </a:r>
+            <a:endParaRPr lang="ru-RU" cap="none" dirty="0"/>
+          </a:p>
+        </p:txBody>
+      </p:sp>
+      <p:sp>
+        <p:nvSpPr>
+          <p:cNvPr id="3" name="Объект 2"/>
+          <p:cNvSpPr>
+            <a:spLocks noGrp="1"/>
+          </p:cNvSpPr>
+          <p:nvPr>
+            <p:ph sz="quarter" idx="13"/>
+          </p:nvPr>
+        </p:nvSpPr>
+        <p:spPr/>
+        <p:txBody>
+          <a:bodyPr/>
+          <a:lstStyle/>
+          <a:p>
+            <a:endParaRPr lang="ru-RU" dirty="0"/>
+          </a:p>
+        </p:txBody>
+      </p:sp>
+      <p:sp>
+        <p:nvSpPr>
+          <p:cNvPr id="4" name="Овал 3"/>
+          <p:cNvSpPr/>
+          <p:nvPr/>
+        </p:nvSpPr>
+        <p:spPr>
+          <a:xfrm>
+            <a:off x="2638822" y="2022278"/>
+            <a:ext cx="864096" cy="792088"/>
+          </a:xfrm>
+          <a:prstGeom prst="ellipse">
+            <a:avLst/>
+          </a:prstGeom>
+          <a:solidFill>
+            <a:srgbClr val="00B050"/>
+          </a:solidFill>
+        </p:spPr>
+        <p:style>
+          <a:lnRef idx="2">
+            <a:schemeClr val="accent1">
+              <a:shade val="50000"/>
+            </a:schemeClr>
+          </a:lnRef>
+          <a:fillRef idx="1">
+            <a:schemeClr val="accent1"/>
+          </a:fillRef>
+          <a:effectRef idx="0">
+            <a:schemeClr val="accent1"/>
+          </a:effectRef>
+          <a:fontRef idx="minor">
+            <a:schemeClr val="lt1"/>
+          </a:fontRef>
+        </p:style>
+        <p:txBody>
+          <a:bodyPr rtlCol="0" anchor="ctr"/>
+          <a:lstStyle/>
+          <a:p>
+            <a:pPr algn="ctr"/>
+            <a:r>
+              <a:rPr lang="en-US" dirty="0"/>
+              <a:t>v</a:t>
+            </a:r>
+            <a:r>
+              <a:rPr lang="en-US" dirty="0" smtClean="0"/>
+              <a:t>=0</a:t>
+            </a:r>
+          </a:p>
+          <a:p>
+            <a:pPr algn="ctr"/>
+            <a:r>
+              <a:rPr lang="en-US" dirty="0" smtClean="0"/>
+              <a:t>d=0</a:t>
+            </a:r>
+            <a:endParaRPr lang="en-US" dirty="0"/>
+          </a:p>
+        </p:txBody>
+      </p:sp>
+      <p:sp>
+        <p:nvSpPr>
+          <p:cNvPr id="8" name="Овал 7"/>
+          <p:cNvSpPr/>
+          <p:nvPr/>
+        </p:nvSpPr>
+        <p:spPr>
+          <a:xfrm>
+            <a:off x="1484929" y="3355883"/>
+            <a:ext cx="864096" cy="792088"/>
+          </a:xfrm>
+          <a:prstGeom prst="ellipse">
+            <a:avLst/>
+          </a:prstGeom>
+          <a:solidFill>
+            <a:srgbClr val="7030A0"/>
+          </a:solidFill>
+        </p:spPr>
+        <p:style>
+          <a:lnRef idx="2">
+            <a:schemeClr val="accent1">
+              <a:shade val="50000"/>
+            </a:schemeClr>
+          </a:lnRef>
+          <a:fillRef idx="1">
+            <a:schemeClr val="accent1"/>
+          </a:fillRef>
+          <a:effectRef idx="0">
+            <a:schemeClr val="accent1"/>
+          </a:effectRef>
+          <a:fontRef idx="minor">
+            <a:schemeClr val="lt1"/>
+          </a:fontRef>
+        </p:style>
+        <p:txBody>
+          <a:bodyPr rtlCol="0" anchor="ctr"/>
+          <a:lstStyle/>
+          <a:p>
+            <a:pPr algn="ctr"/>
+            <a:r>
+              <a:rPr lang="en-US" dirty="0" smtClean="0"/>
+              <a:t>v=1</a:t>
+            </a:r>
+          </a:p>
+          <a:p>
+            <a:pPr algn="ctr"/>
+            <a:r>
+              <a:rPr lang="en-US" dirty="0" smtClean="0"/>
+              <a:t>d=5</a:t>
+            </a:r>
+            <a:endParaRPr lang="en-US" dirty="0"/>
+          </a:p>
+        </p:txBody>
+      </p:sp>
+      <p:cxnSp>
+        <p:nvCxnSpPr>
+          <p:cNvPr id="12" name="Прямая со стрелкой 11"/>
+          <p:cNvCxnSpPr>
+            <a:stCxn id="8" idx="7"/>
+            <a:endCxn id="4" idx="3"/>
+          </p:cNvCxnSpPr>
+          <p:nvPr/>
+        </p:nvCxnSpPr>
+        <p:spPr>
+          <a:xfrm flipV="1">
+            <a:off x="2222481" y="2698367"/>
+            <a:ext cx="542885" cy="773515"/>
+          </a:xfrm>
+          <a:prstGeom prst="straightConnector1">
+            <a:avLst/>
+          </a:prstGeom>
+          <a:ln>
+            <a:tailEnd type="arrow"/>
+          </a:ln>
+        </p:spPr>
+        <p:style>
+          <a:lnRef idx="1">
+            <a:schemeClr val="accent1"/>
+          </a:lnRef>
+          <a:fillRef idx="0">
+            <a:schemeClr val="accent1"/>
+          </a:fillRef>
+          <a:effectRef idx="0">
+            <a:schemeClr val="accent1"/>
+          </a:effectRef>
+          <a:fontRef idx="minor">
+            <a:schemeClr val="tx1"/>
+          </a:fontRef>
+        </p:style>
+      </p:cxnSp>
+      <p:sp>
+        <p:nvSpPr>
+          <p:cNvPr id="10" name="Овал 9"/>
+          <p:cNvSpPr/>
+          <p:nvPr/>
+        </p:nvSpPr>
+        <p:spPr>
+          <a:xfrm>
+            <a:off x="2638822" y="3355883"/>
+            <a:ext cx="864096" cy="792088"/>
+          </a:xfrm>
+          <a:prstGeom prst="ellipse">
+            <a:avLst/>
+          </a:prstGeom>
+          <a:solidFill>
+            <a:srgbClr val="7030A0"/>
+          </a:solidFill>
+        </p:spPr>
+        <p:style>
+          <a:lnRef idx="2">
+            <a:schemeClr val="accent1">
+              <a:shade val="50000"/>
+            </a:schemeClr>
+          </a:lnRef>
+          <a:fillRef idx="1">
+            <a:schemeClr val="accent1"/>
+          </a:fillRef>
+          <a:effectRef idx="0">
+            <a:schemeClr val="accent1"/>
+          </a:effectRef>
+          <a:fontRef idx="minor">
+            <a:schemeClr val="lt1"/>
+          </a:fontRef>
+        </p:style>
+        <p:txBody>
+          <a:bodyPr rtlCol="0" anchor="ctr"/>
+          <a:lstStyle/>
+          <a:p>
+            <a:pPr algn="ctr"/>
+            <a:r>
+              <a:rPr lang="en-US" dirty="0" smtClean="0"/>
+              <a:t>v=2</a:t>
+            </a:r>
+          </a:p>
+          <a:p>
+            <a:pPr algn="ctr"/>
+            <a:r>
+              <a:rPr lang="en-US" dirty="0" smtClean="0"/>
+              <a:t>d=2</a:t>
+            </a:r>
+            <a:endParaRPr lang="en-US" dirty="0"/>
+          </a:p>
+        </p:txBody>
+      </p:sp>
+      <p:cxnSp>
+        <p:nvCxnSpPr>
+          <p:cNvPr id="11" name="Прямая со стрелкой 10"/>
+          <p:cNvCxnSpPr>
+            <a:stCxn id="10" idx="0"/>
+            <a:endCxn id="4" idx="4"/>
+          </p:cNvCxnSpPr>
+          <p:nvPr/>
+        </p:nvCxnSpPr>
+        <p:spPr>
+          <a:xfrm flipV="1">
+            <a:off x="3070870" y="2814366"/>
+            <a:ext cx="0" cy="541517"/>
+          </a:xfrm>
+          <a:prstGeom prst="straightConnector1">
+            <a:avLst/>
+          </a:prstGeom>
+          <a:ln>
+            <a:tailEnd type="arrow"/>
+          </a:ln>
+        </p:spPr>
+        <p:style>
+          <a:lnRef idx="1">
+            <a:schemeClr val="accent1"/>
+          </a:lnRef>
+          <a:fillRef idx="0">
+            <a:schemeClr val="accent1"/>
+          </a:fillRef>
+          <a:effectRef idx="0">
+            <a:schemeClr val="accent1"/>
+          </a:effectRef>
+          <a:fontRef idx="minor">
+            <a:schemeClr val="tx1"/>
+          </a:fontRef>
+        </p:style>
+      </p:cxnSp>
+      <p:sp>
+        <p:nvSpPr>
+          <p:cNvPr id="9" name="Овал 8"/>
+          <p:cNvSpPr/>
+          <p:nvPr/>
+        </p:nvSpPr>
+        <p:spPr>
+          <a:xfrm>
+            <a:off x="3862958" y="3355883"/>
+            <a:ext cx="864096" cy="792088"/>
+          </a:xfrm>
+          <a:prstGeom prst="ellipse">
+            <a:avLst/>
+          </a:prstGeom>
+          <a:solidFill>
+            <a:srgbClr val="7030A0"/>
+          </a:solidFill>
+        </p:spPr>
+        <p:style>
+          <a:lnRef idx="2">
+            <a:schemeClr val="accent1">
+              <a:shade val="50000"/>
+            </a:schemeClr>
+          </a:lnRef>
+          <a:fillRef idx="1">
+            <a:schemeClr val="accent1"/>
+          </a:fillRef>
+          <a:effectRef idx="0">
+            <a:schemeClr val="accent1"/>
+          </a:effectRef>
+          <a:fontRef idx="minor">
+            <a:schemeClr val="lt1"/>
+          </a:fontRef>
+        </p:style>
+        <p:txBody>
+          <a:bodyPr rtlCol="0" anchor="ctr"/>
+          <a:lstStyle/>
+          <a:p>
+            <a:pPr algn="ctr"/>
+            <a:r>
+              <a:rPr lang="en-US" dirty="0" smtClean="0"/>
+              <a:t>v=3</a:t>
+            </a:r>
+          </a:p>
+          <a:p>
+            <a:pPr algn="ctr"/>
+            <a:r>
+              <a:rPr lang="en-US" dirty="0" smtClean="0"/>
+              <a:t>d=7</a:t>
+            </a:r>
+            <a:endParaRPr lang="en-US" dirty="0"/>
+          </a:p>
+        </p:txBody>
+      </p:sp>
+      <p:cxnSp>
+        <p:nvCxnSpPr>
+          <p:cNvPr id="6" name="Прямая со стрелкой 5"/>
+          <p:cNvCxnSpPr>
+            <a:stCxn id="9" idx="1"/>
+            <a:endCxn id="4" idx="5"/>
+          </p:cNvCxnSpPr>
+          <p:nvPr/>
+        </p:nvCxnSpPr>
+        <p:spPr>
+          <a:xfrm flipH="1" flipV="1">
+            <a:off x="3376374" y="2698367"/>
+            <a:ext cx="613128" cy="773515"/>
+          </a:xfrm>
+          <a:prstGeom prst="straightConnector1">
+            <a:avLst/>
+          </a:prstGeom>
+          <a:ln>
+            <a:tailEnd type="arrow"/>
+          </a:ln>
+        </p:spPr>
+        <p:style>
+          <a:lnRef idx="1">
+            <a:schemeClr val="accent1"/>
+          </a:lnRef>
+          <a:fillRef idx="0">
+            <a:schemeClr val="accent1"/>
+          </a:fillRef>
+          <a:effectRef idx="0">
+            <a:schemeClr val="accent1"/>
+          </a:effectRef>
+          <a:fontRef idx="minor">
+            <a:schemeClr val="tx1"/>
+          </a:fontRef>
+        </p:style>
+      </p:cxnSp>
+      <p:sp>
+        <p:nvSpPr>
+          <p:cNvPr id="13" name="Овал 12"/>
+          <p:cNvSpPr/>
+          <p:nvPr/>
+        </p:nvSpPr>
+        <p:spPr>
+          <a:xfrm>
+            <a:off x="2638822" y="4581922"/>
+            <a:ext cx="864096" cy="792088"/>
+          </a:xfrm>
+          <a:prstGeom prst="ellipse">
+            <a:avLst/>
+          </a:prstGeom>
+          <a:solidFill>
+            <a:srgbClr val="7030A0"/>
+          </a:solidFill>
+        </p:spPr>
+        <p:style>
+          <a:lnRef idx="2">
+            <a:schemeClr val="accent1">
+              <a:shade val="50000"/>
+            </a:schemeClr>
+          </a:lnRef>
+          <a:fillRef idx="1">
+            <a:schemeClr val="accent1"/>
+          </a:fillRef>
+          <a:effectRef idx="0">
+            <a:schemeClr val="accent1"/>
+          </a:effectRef>
+          <a:fontRef idx="minor">
+            <a:schemeClr val="lt1"/>
+          </a:fontRef>
+        </p:style>
+        <p:txBody>
+          <a:bodyPr rtlCol="0" anchor="ctr"/>
+          <a:lstStyle/>
+          <a:p>
+            <a:pPr algn="ctr"/>
+            <a:r>
+              <a:rPr lang="en-US" dirty="0" smtClean="0"/>
+              <a:t>v=4</a:t>
+            </a:r>
+          </a:p>
+          <a:p>
+            <a:pPr algn="ctr"/>
+            <a:r>
+              <a:rPr lang="en-US" dirty="0" smtClean="0"/>
+              <a:t>d=3</a:t>
+            </a:r>
+            <a:endParaRPr lang="en-US" dirty="0"/>
+          </a:p>
+        </p:txBody>
+      </p:sp>
+      <p:cxnSp>
+        <p:nvCxnSpPr>
+          <p:cNvPr id="7" name="Прямая со стрелкой 6"/>
+          <p:cNvCxnSpPr>
+            <a:endCxn id="10" idx="4"/>
+          </p:cNvCxnSpPr>
+          <p:nvPr/>
+        </p:nvCxnSpPr>
+        <p:spPr>
+          <a:xfrm flipV="1">
+            <a:off x="3070870" y="4147971"/>
+            <a:ext cx="0" cy="433951"/>
+          </a:xfrm>
+          <a:prstGeom prst="straightConnector1">
+            <a:avLst/>
+          </a:prstGeom>
+          <a:ln>
+            <a:tailEnd type="arrow"/>
+          </a:ln>
+        </p:spPr>
+        <p:style>
+          <a:lnRef idx="1">
+            <a:schemeClr val="accent1"/>
+          </a:lnRef>
+          <a:fillRef idx="0">
+            <a:schemeClr val="accent1"/>
+          </a:fillRef>
+          <a:effectRef idx="0">
+            <a:schemeClr val="accent1"/>
+          </a:effectRef>
+          <a:fontRef idx="minor">
+            <a:schemeClr val="tx1"/>
+          </a:fontRef>
+        </p:style>
+      </p:cxnSp>
+    </p:spTree>
+    <p:extLst>
+      <p:ext uri="{BB962C8B-B14F-4D97-AF65-F5344CB8AC3E}">
+        <p14:creationId xmlns:p14="http://schemas.microsoft.com/office/powerpoint/2010/main" val="544484485"/>
+      </p:ext>
+    </p:extLst>
+  </p:cSld>
+  <p:clrMapOvr>
+    <a:masterClrMapping/>
+  </p:clrMapOvr>
+</p:sld>
+</file>
+
+<file path=ppt/slides/slide14.xml><?xml version="1.0" encoding="utf-8"?>
+<p:sld xmlns:a="http://schemas.openxmlformats.org/drawingml/2006/main" xmlns:r="http://schemas.openxmlformats.org/officeDocument/2006/relationships" xmlns:p="http://schemas.openxmlformats.org/presentationml/2006/main">
+  <p:cSld>
+    <p:spTree>
+      <p:nvGrpSpPr>
+        <p:cNvPr id="1" name=""/>
+        <p:cNvGrpSpPr/>
+        <p:nvPr/>
+      </p:nvGrpSpPr>
+      <p:grpSpPr>
+        <a:xfrm>
+          <a:off x="0" y="0"/>
+          <a:ext cx="0" cy="0"/>
+          <a:chOff x="0" y="0"/>
+          <a:chExt cx="0" cy="0"/>
+        </a:xfrm>
+      </p:grpSpPr>
+      <p:sp>
+        <p:nvSpPr>
+          <p:cNvPr id="2" name="Заголовок 1"/>
+          <p:cNvSpPr>
+            <a:spLocks noGrp="1"/>
+          </p:cNvSpPr>
+          <p:nvPr>
+            <p:ph type="title"/>
+          </p:nvPr>
+        </p:nvSpPr>
+        <p:spPr/>
+        <p:txBody>
+          <a:bodyPr/>
+          <a:lstStyle/>
+          <a:p>
+            <a:r>
+              <a:rPr lang="ru-RU" cap="none" dirty="0" smtClean="0"/>
+              <a:t>Тест(</a:t>
+            </a:r>
+            <a:r>
+              <a:rPr lang="en-US" cap="none" dirty="0" smtClean="0"/>
+              <a:t> pop(1)</a:t>
+            </a:r>
+            <a:r>
+              <a:rPr lang="ru-RU" cap="none" dirty="0" smtClean="0"/>
+              <a:t>)</a:t>
+            </a:r>
+            <a:endParaRPr lang="ru-RU" cap="none" dirty="0"/>
+          </a:p>
+        </p:txBody>
+      </p:sp>
+      <p:sp>
+        <p:nvSpPr>
+          <p:cNvPr id="3" name="Объект 2"/>
+          <p:cNvSpPr>
+            <a:spLocks noGrp="1"/>
+          </p:cNvSpPr>
+          <p:nvPr>
+            <p:ph sz="quarter" idx="13"/>
+          </p:nvPr>
+        </p:nvSpPr>
+        <p:spPr/>
+        <p:txBody>
+          <a:bodyPr/>
+          <a:lstStyle/>
+          <a:p>
+            <a:endParaRPr lang="ru-RU" dirty="0"/>
+          </a:p>
+        </p:txBody>
+      </p:sp>
+      <p:sp>
+        <p:nvSpPr>
+          <p:cNvPr id="4" name="Овал 3"/>
+          <p:cNvSpPr/>
+          <p:nvPr/>
+        </p:nvSpPr>
+        <p:spPr>
+          <a:xfrm>
+            <a:off x="2638822" y="2022278"/>
+            <a:ext cx="864096" cy="792088"/>
+          </a:xfrm>
+          <a:prstGeom prst="ellipse">
+            <a:avLst/>
+          </a:prstGeom>
+          <a:solidFill>
+            <a:srgbClr val="00B050"/>
+          </a:solidFill>
+        </p:spPr>
+        <p:style>
+          <a:lnRef idx="2">
+            <a:schemeClr val="accent1">
+              <a:shade val="50000"/>
+            </a:schemeClr>
+          </a:lnRef>
+          <a:fillRef idx="1">
+            <a:schemeClr val="accent1"/>
+          </a:fillRef>
+          <a:effectRef idx="0">
+            <a:schemeClr val="accent1"/>
+          </a:effectRef>
+          <a:fontRef idx="minor">
+            <a:schemeClr val="lt1"/>
+          </a:fontRef>
+        </p:style>
+        <p:txBody>
+          <a:bodyPr rtlCol="0" anchor="ctr"/>
+          <a:lstStyle/>
+          <a:p>
+            <a:pPr algn="ctr"/>
+            <a:r>
+              <a:rPr lang="en-US" dirty="0"/>
+              <a:t>v</a:t>
+            </a:r>
+            <a:r>
+              <a:rPr lang="en-US" dirty="0" smtClean="0"/>
+              <a:t>=0</a:t>
+            </a:r>
+          </a:p>
+          <a:p>
+            <a:pPr algn="ctr"/>
+            <a:r>
+              <a:rPr lang="en-US" dirty="0" smtClean="0"/>
+              <a:t>d=0</a:t>
+            </a:r>
+            <a:endParaRPr lang="en-US" dirty="0"/>
+          </a:p>
+        </p:txBody>
+      </p:sp>
+      <p:sp>
+        <p:nvSpPr>
+          <p:cNvPr id="8" name="Овал 7"/>
+          <p:cNvSpPr/>
+          <p:nvPr/>
+        </p:nvSpPr>
+        <p:spPr>
+          <a:xfrm>
+            <a:off x="1484929" y="3355883"/>
+            <a:ext cx="864096" cy="792088"/>
+          </a:xfrm>
+          <a:prstGeom prst="ellipse">
+            <a:avLst/>
+          </a:prstGeom>
+          <a:solidFill>
+            <a:srgbClr val="7030A0"/>
+          </a:solidFill>
+        </p:spPr>
+        <p:style>
+          <a:lnRef idx="2">
+            <a:schemeClr val="accent1">
+              <a:shade val="50000"/>
+            </a:schemeClr>
+          </a:lnRef>
+          <a:fillRef idx="1">
+            <a:schemeClr val="accent1"/>
+          </a:fillRef>
+          <a:effectRef idx="0">
+            <a:schemeClr val="accent1"/>
+          </a:effectRef>
+          <a:fontRef idx="minor">
+            <a:schemeClr val="lt1"/>
+          </a:fontRef>
+        </p:style>
+        <p:txBody>
+          <a:bodyPr rtlCol="0" anchor="ctr"/>
+          <a:lstStyle/>
+          <a:p>
+            <a:pPr algn="ctr"/>
+            <a:r>
+              <a:rPr lang="en-US" dirty="0" smtClean="0"/>
+              <a:t>v=1</a:t>
+            </a:r>
+          </a:p>
+          <a:p>
+            <a:pPr algn="ctr"/>
+            <a:r>
+              <a:rPr lang="en-US" dirty="0" smtClean="0"/>
+              <a:t>d=5</a:t>
+            </a:r>
+            <a:endParaRPr lang="en-US" dirty="0"/>
+          </a:p>
+        </p:txBody>
+      </p:sp>
+      <p:cxnSp>
+        <p:nvCxnSpPr>
+          <p:cNvPr id="12" name="Прямая со стрелкой 11"/>
+          <p:cNvCxnSpPr>
+            <a:stCxn id="8" idx="7"/>
+            <a:endCxn id="4" idx="3"/>
+          </p:cNvCxnSpPr>
+          <p:nvPr/>
+        </p:nvCxnSpPr>
+        <p:spPr>
+          <a:xfrm flipV="1">
+            <a:off x="2222481" y="2698367"/>
+            <a:ext cx="542885" cy="773515"/>
+          </a:xfrm>
+          <a:prstGeom prst="straightConnector1">
+            <a:avLst/>
+          </a:prstGeom>
+          <a:ln>
+            <a:tailEnd type="arrow"/>
+          </a:ln>
+        </p:spPr>
+        <p:style>
+          <a:lnRef idx="1">
+            <a:schemeClr val="accent1"/>
+          </a:lnRef>
+          <a:fillRef idx="0">
+            <a:schemeClr val="accent1"/>
+          </a:fillRef>
+          <a:effectRef idx="0">
+            <a:schemeClr val="accent1"/>
+          </a:effectRef>
+          <a:fontRef idx="minor">
+            <a:schemeClr val="tx1"/>
+          </a:fontRef>
+        </p:style>
+      </p:cxnSp>
+      <p:sp>
+        <p:nvSpPr>
+          <p:cNvPr id="10" name="Овал 9"/>
+          <p:cNvSpPr/>
+          <p:nvPr/>
+        </p:nvSpPr>
+        <p:spPr>
+          <a:xfrm>
+            <a:off x="2638822" y="3355883"/>
+            <a:ext cx="864096" cy="792088"/>
+          </a:xfrm>
+          <a:prstGeom prst="ellipse">
+            <a:avLst/>
+          </a:prstGeom>
+          <a:solidFill>
+            <a:srgbClr val="7030A0"/>
+          </a:solidFill>
+        </p:spPr>
+        <p:style>
+          <a:lnRef idx="2">
+            <a:schemeClr val="accent1">
+              <a:shade val="50000"/>
+            </a:schemeClr>
+          </a:lnRef>
+          <a:fillRef idx="1">
+            <a:schemeClr val="accent1"/>
+          </a:fillRef>
+          <a:effectRef idx="0">
+            <a:schemeClr val="accent1"/>
+          </a:effectRef>
+          <a:fontRef idx="minor">
+            <a:schemeClr val="lt1"/>
+          </a:fontRef>
+        </p:style>
+        <p:txBody>
+          <a:bodyPr rtlCol="0" anchor="ctr"/>
+          <a:lstStyle/>
+          <a:p>
+            <a:pPr algn="ctr"/>
+            <a:r>
+              <a:rPr lang="en-US" dirty="0" smtClean="0"/>
+              <a:t>v=2</a:t>
+            </a:r>
+          </a:p>
+          <a:p>
+            <a:pPr algn="ctr"/>
+            <a:r>
+              <a:rPr lang="en-US" dirty="0" smtClean="0"/>
+              <a:t>d=2</a:t>
+            </a:r>
+            <a:endParaRPr lang="en-US" dirty="0"/>
+          </a:p>
+        </p:txBody>
+      </p:sp>
+      <p:cxnSp>
+        <p:nvCxnSpPr>
+          <p:cNvPr id="11" name="Прямая со стрелкой 10"/>
+          <p:cNvCxnSpPr>
+            <a:stCxn id="10" idx="0"/>
+            <a:endCxn id="4" idx="4"/>
+          </p:cNvCxnSpPr>
+          <p:nvPr/>
+        </p:nvCxnSpPr>
+        <p:spPr>
+          <a:xfrm flipV="1">
+            <a:off x="3070870" y="2814366"/>
+            <a:ext cx="0" cy="541517"/>
+          </a:xfrm>
+          <a:prstGeom prst="straightConnector1">
+            <a:avLst/>
+          </a:prstGeom>
+          <a:ln>
+            <a:tailEnd type="arrow"/>
+          </a:ln>
+        </p:spPr>
+        <p:style>
+          <a:lnRef idx="1">
+            <a:schemeClr val="accent1"/>
+          </a:lnRef>
+          <a:fillRef idx="0">
+            <a:schemeClr val="accent1"/>
+          </a:fillRef>
+          <a:effectRef idx="0">
+            <a:schemeClr val="accent1"/>
+          </a:effectRef>
+          <a:fontRef idx="minor">
+            <a:schemeClr val="tx1"/>
+          </a:fontRef>
+        </p:style>
+      </p:cxnSp>
+      <p:sp>
+        <p:nvSpPr>
+          <p:cNvPr id="9" name="Овал 8"/>
+          <p:cNvSpPr/>
+          <p:nvPr/>
+        </p:nvSpPr>
+        <p:spPr>
+          <a:xfrm>
+            <a:off x="3862958" y="3355883"/>
+            <a:ext cx="864096" cy="792088"/>
+          </a:xfrm>
+          <a:prstGeom prst="ellipse">
+            <a:avLst/>
+          </a:prstGeom>
+          <a:solidFill>
+            <a:srgbClr val="7030A0"/>
+          </a:solidFill>
+        </p:spPr>
+        <p:style>
+          <a:lnRef idx="2">
+            <a:schemeClr val="accent1">
+              <a:shade val="50000"/>
+            </a:schemeClr>
+          </a:lnRef>
+          <a:fillRef idx="1">
+            <a:schemeClr val="accent1"/>
+          </a:fillRef>
+          <a:effectRef idx="0">
+            <a:schemeClr val="accent1"/>
+          </a:effectRef>
+          <a:fontRef idx="minor">
+            <a:schemeClr val="lt1"/>
+          </a:fontRef>
+        </p:style>
+        <p:txBody>
+          <a:bodyPr rtlCol="0" anchor="ctr"/>
+          <a:lstStyle/>
+          <a:p>
+            <a:pPr algn="ctr"/>
+            <a:r>
+              <a:rPr lang="en-US" dirty="0" smtClean="0"/>
+              <a:t>v=3</a:t>
+            </a:r>
+          </a:p>
+          <a:p>
+            <a:pPr algn="ctr"/>
+            <a:r>
+              <a:rPr lang="en-US" dirty="0" smtClean="0"/>
+              <a:t>d=7</a:t>
+            </a:r>
+            <a:endParaRPr lang="en-US" dirty="0"/>
+          </a:p>
+        </p:txBody>
+      </p:sp>
+      <p:cxnSp>
+        <p:nvCxnSpPr>
+          <p:cNvPr id="6" name="Прямая со стрелкой 5"/>
+          <p:cNvCxnSpPr>
+            <a:stCxn id="9" idx="1"/>
+            <a:endCxn id="4" idx="5"/>
+          </p:cNvCxnSpPr>
+          <p:nvPr/>
+        </p:nvCxnSpPr>
+        <p:spPr>
+          <a:xfrm flipH="1" flipV="1">
+            <a:off x="3376374" y="2698367"/>
+            <a:ext cx="613128" cy="773515"/>
+          </a:xfrm>
+          <a:prstGeom prst="straightConnector1">
+            <a:avLst/>
+          </a:prstGeom>
+          <a:ln>
+            <a:tailEnd type="arrow"/>
+          </a:ln>
+        </p:spPr>
+        <p:style>
+          <a:lnRef idx="1">
+            <a:schemeClr val="accent1"/>
+          </a:lnRef>
+          <a:fillRef idx="0">
+            <a:schemeClr val="accent1"/>
+          </a:fillRef>
+          <a:effectRef idx="0">
+            <a:schemeClr val="accent1"/>
+          </a:effectRef>
+          <a:fontRef idx="minor">
+            <a:schemeClr val="tx1"/>
+          </a:fontRef>
+        </p:style>
+      </p:cxnSp>
+      <p:sp>
+        <p:nvSpPr>
+          <p:cNvPr id="13" name="Овал 12"/>
+          <p:cNvSpPr/>
+          <p:nvPr/>
+        </p:nvSpPr>
+        <p:spPr>
+          <a:xfrm>
+            <a:off x="2638822" y="4581922"/>
+            <a:ext cx="864096" cy="792088"/>
+          </a:xfrm>
+          <a:prstGeom prst="ellipse">
+            <a:avLst/>
+          </a:prstGeom>
+          <a:solidFill>
+            <a:srgbClr val="7030A0"/>
+          </a:solidFill>
+        </p:spPr>
+        <p:style>
+          <a:lnRef idx="2">
+            <a:schemeClr val="accent1">
+              <a:shade val="50000"/>
+            </a:schemeClr>
+          </a:lnRef>
+          <a:fillRef idx="1">
+            <a:schemeClr val="accent1"/>
+          </a:fillRef>
+          <a:effectRef idx="0">
+            <a:schemeClr val="accent1"/>
+          </a:effectRef>
+          <a:fontRef idx="minor">
+            <a:schemeClr val="lt1"/>
+          </a:fontRef>
+        </p:style>
+        <p:txBody>
+          <a:bodyPr rtlCol="0" anchor="ctr"/>
+          <a:lstStyle/>
+          <a:p>
+            <a:pPr algn="ctr"/>
+            <a:r>
+              <a:rPr lang="en-US" dirty="0" smtClean="0"/>
+              <a:t>v=4</a:t>
+            </a:r>
+          </a:p>
+          <a:p>
+            <a:pPr algn="ctr"/>
+            <a:r>
+              <a:rPr lang="en-US" dirty="0" smtClean="0"/>
+              <a:t>d=3</a:t>
+            </a:r>
+            <a:endParaRPr lang="en-US" dirty="0"/>
+          </a:p>
+        </p:txBody>
+      </p:sp>
+      <p:cxnSp>
+        <p:nvCxnSpPr>
+          <p:cNvPr id="7" name="Прямая со стрелкой 6"/>
+          <p:cNvCxnSpPr>
+            <a:endCxn id="10" idx="4"/>
+          </p:cNvCxnSpPr>
+          <p:nvPr/>
+        </p:nvCxnSpPr>
+        <p:spPr>
+          <a:xfrm flipV="1">
+            <a:off x="3070870" y="4147971"/>
+            <a:ext cx="0" cy="433951"/>
+          </a:xfrm>
+          <a:prstGeom prst="straightConnector1">
+            <a:avLst/>
+          </a:prstGeom>
+          <a:ln>
+            <a:tailEnd type="arrow"/>
+          </a:ln>
+        </p:spPr>
+        <p:style>
+          <a:lnRef idx="1">
+            <a:schemeClr val="accent1"/>
+          </a:lnRef>
+          <a:fillRef idx="0">
+            <a:schemeClr val="accent1"/>
+          </a:fillRef>
+          <a:effectRef idx="0">
+            <a:schemeClr val="accent1"/>
+          </a:effectRef>
+          <a:fontRef idx="minor">
+            <a:schemeClr val="tx1"/>
+          </a:fontRef>
+        </p:style>
+      </p:cxnSp>
+      <p:sp>
+        <p:nvSpPr>
+          <p:cNvPr id="14" name="Овал 13"/>
+          <p:cNvSpPr/>
+          <p:nvPr/>
+        </p:nvSpPr>
+        <p:spPr>
+          <a:xfrm>
+            <a:off x="5807174" y="2022278"/>
+            <a:ext cx="864096" cy="792088"/>
+          </a:xfrm>
+          <a:prstGeom prst="ellipse">
+            <a:avLst/>
+          </a:prstGeom>
+          <a:solidFill>
+            <a:srgbClr val="00B050"/>
+          </a:solidFill>
+        </p:spPr>
+        <p:style>
+          <a:lnRef idx="2">
+            <a:schemeClr val="accent1">
+              <a:shade val="50000"/>
+            </a:schemeClr>
+          </a:lnRef>
+          <a:fillRef idx="1">
+            <a:schemeClr val="accent1"/>
+          </a:fillRef>
+          <a:effectRef idx="0">
+            <a:schemeClr val="accent1"/>
+          </a:effectRef>
+          <a:fontRef idx="minor">
+            <a:schemeClr val="lt1"/>
+          </a:fontRef>
+        </p:style>
+        <p:txBody>
+          <a:bodyPr rtlCol="0" anchor="ctr"/>
+          <a:lstStyle/>
+          <a:p>
+            <a:pPr algn="ctr"/>
+            <a:r>
+              <a:rPr lang="en-US" dirty="0" smtClean="0"/>
+              <a:t>v=5</a:t>
+            </a:r>
+          </a:p>
+          <a:p>
+            <a:pPr algn="ctr"/>
+            <a:r>
+              <a:rPr lang="en-US" dirty="0" smtClean="0"/>
+              <a:t>d=0</a:t>
+            </a:r>
+            <a:endParaRPr lang="en-US" dirty="0"/>
+          </a:p>
+        </p:txBody>
+      </p:sp>
+    </p:spTree>
+    <p:extLst>
+      <p:ext uri="{BB962C8B-B14F-4D97-AF65-F5344CB8AC3E}">
+        <p14:creationId xmlns:p14="http://schemas.microsoft.com/office/powerpoint/2010/main" val="163490064"/>
+      </p:ext>
+    </p:extLst>
+  </p:cSld>
+  <p:clrMapOvr>
+    <a:masterClrMapping/>
+  </p:clrMapOvr>
+</p:sld>
+</file>
+
+<file path=ppt/slides/slide15.xml><?xml version="1.0" encoding="utf-8"?>
+<p:sld xmlns:a="http://schemas.openxmlformats.org/drawingml/2006/main" xmlns:r="http://schemas.openxmlformats.org/officeDocument/2006/relationships" xmlns:p="http://schemas.openxmlformats.org/presentationml/2006/main">
+  <p:cSld>
+    <p:spTree>
+      <p:nvGrpSpPr>
+        <p:cNvPr id="1" name=""/>
+        <p:cNvGrpSpPr/>
+        <p:nvPr/>
+      </p:nvGrpSpPr>
+      <p:grpSpPr>
+        <a:xfrm>
+          <a:off x="0" y="0"/>
+          <a:ext cx="0" cy="0"/>
+          <a:chOff x="0" y="0"/>
+          <a:chExt cx="0" cy="0"/>
+        </a:xfrm>
+      </p:grpSpPr>
+      <p:sp>
+        <p:nvSpPr>
+          <p:cNvPr id="2" name="Заголовок 1"/>
+          <p:cNvSpPr>
+            <a:spLocks noGrp="1"/>
+          </p:cNvSpPr>
+          <p:nvPr>
+            <p:ph type="title"/>
+          </p:nvPr>
+        </p:nvSpPr>
+        <p:spPr/>
+        <p:txBody>
+          <a:bodyPr/>
+          <a:lstStyle/>
+          <a:p>
+            <a:r>
+              <a:rPr lang="ru-RU" cap="none" dirty="0" smtClean="0"/>
+              <a:t>Тест(</a:t>
+            </a:r>
+            <a:r>
+              <a:rPr lang="en-US" cap="none" dirty="0" smtClean="0"/>
+              <a:t> pop(4)</a:t>
+            </a:r>
+            <a:r>
+              <a:rPr lang="ru-RU" cap="none" dirty="0" smtClean="0"/>
+              <a:t>)</a:t>
+            </a:r>
+            <a:endParaRPr lang="ru-RU" cap="none" dirty="0"/>
+          </a:p>
+        </p:txBody>
+      </p:sp>
+      <p:sp>
+        <p:nvSpPr>
+          <p:cNvPr id="3" name="Объект 2"/>
+          <p:cNvSpPr>
+            <a:spLocks noGrp="1"/>
+          </p:cNvSpPr>
+          <p:nvPr>
+            <p:ph sz="quarter" idx="13"/>
+          </p:nvPr>
+        </p:nvSpPr>
+        <p:spPr/>
+        <p:txBody>
+          <a:bodyPr/>
+          <a:lstStyle/>
+          <a:p>
+            <a:endParaRPr lang="ru-RU" dirty="0"/>
+          </a:p>
+        </p:txBody>
+      </p:sp>
+      <p:sp>
+        <p:nvSpPr>
+          <p:cNvPr id="4" name="Овал 3"/>
+          <p:cNvSpPr/>
+          <p:nvPr/>
+        </p:nvSpPr>
+        <p:spPr>
+          <a:xfrm>
+            <a:off x="2638822" y="2022278"/>
+            <a:ext cx="864096" cy="792088"/>
+          </a:xfrm>
+          <a:prstGeom prst="ellipse">
+            <a:avLst/>
+          </a:prstGeom>
+          <a:solidFill>
+            <a:srgbClr val="00B050"/>
+          </a:solidFill>
+        </p:spPr>
+        <p:style>
+          <a:lnRef idx="2">
+            <a:schemeClr val="accent1">
+              <a:shade val="50000"/>
+            </a:schemeClr>
+          </a:lnRef>
+          <a:fillRef idx="1">
+            <a:schemeClr val="accent1"/>
+          </a:fillRef>
+          <a:effectRef idx="0">
+            <a:schemeClr val="accent1"/>
+          </a:effectRef>
+          <a:fontRef idx="minor">
+            <a:schemeClr val="lt1"/>
+          </a:fontRef>
+        </p:style>
+        <p:txBody>
+          <a:bodyPr rtlCol="0" anchor="ctr"/>
+          <a:lstStyle/>
+          <a:p>
+            <a:pPr algn="ctr"/>
+            <a:r>
+              <a:rPr lang="en-US" dirty="0"/>
+              <a:t>v</a:t>
+            </a:r>
+            <a:r>
+              <a:rPr lang="en-US" dirty="0" smtClean="0"/>
+              <a:t>=0</a:t>
+            </a:r>
+          </a:p>
+          <a:p>
+            <a:pPr algn="ctr"/>
+            <a:r>
+              <a:rPr lang="en-US" dirty="0" smtClean="0"/>
+              <a:t>d=0</a:t>
+            </a:r>
+            <a:endParaRPr lang="en-US" dirty="0"/>
+          </a:p>
+        </p:txBody>
+      </p:sp>
+      <p:sp>
+        <p:nvSpPr>
+          <p:cNvPr id="8" name="Овал 7"/>
+          <p:cNvSpPr/>
+          <p:nvPr/>
+        </p:nvSpPr>
+        <p:spPr>
+          <a:xfrm>
+            <a:off x="1484929" y="3355883"/>
+            <a:ext cx="864096" cy="792088"/>
+          </a:xfrm>
+          <a:prstGeom prst="ellipse">
+            <a:avLst/>
+          </a:prstGeom>
+          <a:solidFill>
+            <a:srgbClr val="7030A0"/>
+          </a:solidFill>
+        </p:spPr>
+        <p:style>
+          <a:lnRef idx="2">
+            <a:schemeClr val="accent1">
+              <a:shade val="50000"/>
+            </a:schemeClr>
+          </a:lnRef>
+          <a:fillRef idx="1">
+            <a:schemeClr val="accent1"/>
+          </a:fillRef>
+          <a:effectRef idx="0">
+            <a:schemeClr val="accent1"/>
+          </a:effectRef>
+          <a:fontRef idx="minor">
+            <a:schemeClr val="lt1"/>
+          </a:fontRef>
+        </p:style>
+        <p:txBody>
+          <a:bodyPr rtlCol="0" anchor="ctr"/>
+          <a:lstStyle/>
+          <a:p>
+            <a:pPr algn="ctr"/>
+            <a:r>
+              <a:rPr lang="en-US" dirty="0" smtClean="0"/>
+              <a:t>v=1</a:t>
+            </a:r>
+          </a:p>
+          <a:p>
+            <a:pPr algn="ctr"/>
+            <a:r>
+              <a:rPr lang="en-US" dirty="0" smtClean="0"/>
+              <a:t>d=5</a:t>
+            </a:r>
+            <a:endParaRPr lang="en-US" dirty="0"/>
+          </a:p>
+        </p:txBody>
+      </p:sp>
+      <p:cxnSp>
+        <p:nvCxnSpPr>
+          <p:cNvPr id="12" name="Прямая со стрелкой 11"/>
+          <p:cNvCxnSpPr>
+            <a:stCxn id="8" idx="7"/>
+            <a:endCxn id="4" idx="3"/>
+          </p:cNvCxnSpPr>
+          <p:nvPr/>
+        </p:nvCxnSpPr>
+        <p:spPr>
+          <a:xfrm flipV="1">
+            <a:off x="2222481" y="2698367"/>
+            <a:ext cx="542885" cy="773515"/>
+          </a:xfrm>
+          <a:prstGeom prst="straightConnector1">
+            <a:avLst/>
+          </a:prstGeom>
+          <a:ln>
+            <a:tailEnd type="arrow"/>
+          </a:ln>
+        </p:spPr>
+        <p:style>
+          <a:lnRef idx="1">
+            <a:schemeClr val="accent1"/>
+          </a:lnRef>
+          <a:fillRef idx="0">
+            <a:schemeClr val="accent1"/>
+          </a:fillRef>
+          <a:effectRef idx="0">
+            <a:schemeClr val="accent1"/>
+          </a:effectRef>
+          <a:fontRef idx="minor">
+            <a:schemeClr val="tx1"/>
+          </a:fontRef>
+        </p:style>
+      </p:cxnSp>
+      <p:sp>
+        <p:nvSpPr>
+          <p:cNvPr id="10" name="Овал 9"/>
+          <p:cNvSpPr/>
+          <p:nvPr/>
+        </p:nvSpPr>
+        <p:spPr>
+          <a:xfrm>
+            <a:off x="2638822" y="3355883"/>
+            <a:ext cx="864096" cy="792088"/>
+          </a:xfrm>
+          <a:prstGeom prst="ellipse">
+            <a:avLst/>
+          </a:prstGeom>
+          <a:solidFill>
+            <a:srgbClr val="7030A0"/>
+          </a:solidFill>
+        </p:spPr>
+        <p:style>
+          <a:lnRef idx="2">
+            <a:schemeClr val="accent1">
+              <a:shade val="50000"/>
+            </a:schemeClr>
+          </a:lnRef>
+          <a:fillRef idx="1">
+            <a:schemeClr val="accent1"/>
+          </a:fillRef>
+          <a:effectRef idx="0">
+            <a:schemeClr val="accent1"/>
+          </a:effectRef>
+          <a:fontRef idx="minor">
+            <a:schemeClr val="lt1"/>
+          </a:fontRef>
+        </p:style>
+        <p:txBody>
+          <a:bodyPr rtlCol="0" anchor="ctr"/>
+          <a:lstStyle/>
+          <a:p>
+            <a:pPr algn="ctr"/>
+            <a:r>
+              <a:rPr lang="en-US" dirty="0" smtClean="0"/>
+              <a:t>v=2</a:t>
+            </a:r>
+          </a:p>
+          <a:p>
+            <a:pPr algn="ctr"/>
+            <a:r>
+              <a:rPr lang="en-US" dirty="0" smtClean="0"/>
+              <a:t>d=2</a:t>
+            </a:r>
+            <a:endParaRPr lang="en-US" dirty="0"/>
+          </a:p>
+        </p:txBody>
+      </p:sp>
+      <p:cxnSp>
+        <p:nvCxnSpPr>
+          <p:cNvPr id="11" name="Прямая со стрелкой 10"/>
+          <p:cNvCxnSpPr>
+            <a:stCxn id="10" idx="0"/>
+            <a:endCxn id="4" idx="4"/>
+          </p:cNvCxnSpPr>
+          <p:nvPr/>
+        </p:nvCxnSpPr>
+        <p:spPr>
+          <a:xfrm flipV="1">
+            <a:off x="3070870" y="2814366"/>
+            <a:ext cx="0" cy="541517"/>
+          </a:xfrm>
+          <a:prstGeom prst="straightConnector1">
+            <a:avLst/>
+          </a:prstGeom>
+          <a:ln>
+            <a:tailEnd type="arrow"/>
+          </a:ln>
+        </p:spPr>
+        <p:style>
+          <a:lnRef idx="1">
+            <a:schemeClr val="accent1"/>
+          </a:lnRef>
+          <a:fillRef idx="0">
+            <a:schemeClr val="accent1"/>
+          </a:fillRef>
+          <a:effectRef idx="0">
+            <a:schemeClr val="accent1"/>
+          </a:effectRef>
+          <a:fontRef idx="minor">
+            <a:schemeClr val="tx1"/>
+          </a:fontRef>
+        </p:style>
+      </p:cxnSp>
+      <p:sp>
+        <p:nvSpPr>
+          <p:cNvPr id="9" name="Овал 8"/>
+          <p:cNvSpPr/>
+          <p:nvPr/>
+        </p:nvSpPr>
+        <p:spPr>
+          <a:xfrm>
+            <a:off x="3862958" y="3355883"/>
+            <a:ext cx="864096" cy="792088"/>
+          </a:xfrm>
+          <a:prstGeom prst="ellipse">
+            <a:avLst/>
+          </a:prstGeom>
+          <a:solidFill>
+            <a:srgbClr val="7030A0"/>
+          </a:solidFill>
+        </p:spPr>
+        <p:style>
+          <a:lnRef idx="2">
+            <a:schemeClr val="accent1">
+              <a:shade val="50000"/>
+            </a:schemeClr>
+          </a:lnRef>
+          <a:fillRef idx="1">
+            <a:schemeClr val="accent1"/>
+          </a:fillRef>
+          <a:effectRef idx="0">
+            <a:schemeClr val="accent1"/>
+          </a:effectRef>
+          <a:fontRef idx="minor">
+            <a:schemeClr val="lt1"/>
+          </a:fontRef>
+        </p:style>
+        <p:txBody>
+          <a:bodyPr rtlCol="0" anchor="ctr"/>
+          <a:lstStyle/>
+          <a:p>
+            <a:pPr algn="ctr"/>
+            <a:r>
+              <a:rPr lang="en-US" dirty="0" smtClean="0"/>
+              <a:t>v=3</a:t>
+            </a:r>
+          </a:p>
+          <a:p>
+            <a:pPr algn="ctr"/>
+            <a:r>
+              <a:rPr lang="en-US" dirty="0" smtClean="0"/>
+              <a:t>d=7</a:t>
+            </a:r>
+            <a:endParaRPr lang="en-US" dirty="0"/>
+          </a:p>
+        </p:txBody>
+      </p:sp>
+      <p:cxnSp>
+        <p:nvCxnSpPr>
+          <p:cNvPr id="6" name="Прямая со стрелкой 5"/>
+          <p:cNvCxnSpPr>
+            <a:stCxn id="9" idx="1"/>
+            <a:endCxn id="4" idx="5"/>
+          </p:cNvCxnSpPr>
+          <p:nvPr/>
+        </p:nvCxnSpPr>
+        <p:spPr>
+          <a:xfrm flipH="1" flipV="1">
+            <a:off x="3376374" y="2698367"/>
+            <a:ext cx="613128" cy="773515"/>
+          </a:xfrm>
+          <a:prstGeom prst="straightConnector1">
+            <a:avLst/>
+          </a:prstGeom>
+          <a:ln>
+            <a:tailEnd type="arrow"/>
+          </a:ln>
+        </p:spPr>
+        <p:style>
+          <a:lnRef idx="1">
+            <a:schemeClr val="accent1"/>
+          </a:lnRef>
+          <a:fillRef idx="0">
+            <a:schemeClr val="accent1"/>
+          </a:fillRef>
+          <a:effectRef idx="0">
+            <a:schemeClr val="accent1"/>
+          </a:effectRef>
+          <a:fontRef idx="minor">
+            <a:schemeClr val="tx1"/>
+          </a:fontRef>
+        </p:style>
+      </p:cxnSp>
+      <p:sp>
+        <p:nvSpPr>
+          <p:cNvPr id="13" name="Овал 12"/>
+          <p:cNvSpPr/>
+          <p:nvPr/>
+        </p:nvSpPr>
+        <p:spPr>
+          <a:xfrm>
+            <a:off x="2638822" y="4581922"/>
+            <a:ext cx="864096" cy="792088"/>
+          </a:xfrm>
+          <a:prstGeom prst="ellipse">
+            <a:avLst/>
+          </a:prstGeom>
+          <a:solidFill>
+            <a:srgbClr val="7030A0"/>
+          </a:solidFill>
+        </p:spPr>
+        <p:style>
+          <a:lnRef idx="2">
+            <a:schemeClr val="accent1">
+              <a:shade val="50000"/>
+            </a:schemeClr>
+          </a:lnRef>
+          <a:fillRef idx="1">
+            <a:schemeClr val="accent1"/>
+          </a:fillRef>
+          <a:effectRef idx="0">
+            <a:schemeClr val="accent1"/>
+          </a:effectRef>
+          <a:fontRef idx="minor">
+            <a:schemeClr val="lt1"/>
+          </a:fontRef>
+        </p:style>
+        <p:txBody>
+          <a:bodyPr rtlCol="0" anchor="ctr"/>
+          <a:lstStyle/>
+          <a:p>
+            <a:pPr algn="ctr"/>
+            <a:r>
+              <a:rPr lang="en-US" dirty="0" smtClean="0"/>
+              <a:t>v=4</a:t>
+            </a:r>
+          </a:p>
+          <a:p>
+            <a:pPr algn="ctr"/>
+            <a:r>
+              <a:rPr lang="en-US" dirty="0" smtClean="0"/>
+              <a:t>d=3</a:t>
+            </a:r>
+            <a:endParaRPr lang="en-US" dirty="0"/>
+          </a:p>
+        </p:txBody>
+      </p:sp>
+      <p:cxnSp>
+        <p:nvCxnSpPr>
+          <p:cNvPr id="7" name="Прямая со стрелкой 6"/>
+          <p:cNvCxnSpPr>
+            <a:endCxn id="10" idx="4"/>
+          </p:cNvCxnSpPr>
+          <p:nvPr/>
+        </p:nvCxnSpPr>
+        <p:spPr>
+          <a:xfrm flipV="1">
+            <a:off x="3070870" y="4147971"/>
+            <a:ext cx="0" cy="433951"/>
+          </a:xfrm>
+          <a:prstGeom prst="straightConnector1">
+            <a:avLst/>
+          </a:prstGeom>
+          <a:ln>
+            <a:tailEnd type="arrow"/>
+          </a:ln>
+        </p:spPr>
+        <p:style>
+          <a:lnRef idx="1">
+            <a:schemeClr val="accent1"/>
+          </a:lnRef>
+          <a:fillRef idx="0">
+            <a:schemeClr val="accent1"/>
+          </a:fillRef>
+          <a:effectRef idx="0">
+            <a:schemeClr val="accent1"/>
+          </a:effectRef>
+          <a:fontRef idx="minor">
+            <a:schemeClr val="tx1"/>
+          </a:fontRef>
+        </p:style>
+      </p:cxnSp>
+      <p:sp>
+        <p:nvSpPr>
+          <p:cNvPr id="14" name="Овал 13"/>
+          <p:cNvSpPr/>
+          <p:nvPr/>
+        </p:nvSpPr>
+        <p:spPr>
+          <a:xfrm>
+            <a:off x="5807174" y="2022278"/>
+            <a:ext cx="864096" cy="792088"/>
+          </a:xfrm>
+          <a:prstGeom prst="ellipse">
+            <a:avLst/>
+          </a:prstGeom>
+          <a:solidFill>
+            <a:srgbClr val="00B050"/>
+          </a:solidFill>
+        </p:spPr>
+        <p:style>
+          <a:lnRef idx="2">
+            <a:schemeClr val="accent1">
+              <a:shade val="50000"/>
+            </a:schemeClr>
+          </a:lnRef>
+          <a:fillRef idx="1">
+            <a:schemeClr val="accent1"/>
+          </a:fillRef>
+          <a:effectRef idx="0">
+            <a:schemeClr val="accent1"/>
+          </a:effectRef>
+          <a:fontRef idx="minor">
+            <a:schemeClr val="lt1"/>
+          </a:fontRef>
+        </p:style>
+        <p:txBody>
+          <a:bodyPr rtlCol="0" anchor="ctr"/>
+          <a:lstStyle/>
+          <a:p>
+            <a:pPr algn="ctr"/>
+            <a:r>
+              <a:rPr lang="en-US" dirty="0" smtClean="0"/>
+              <a:t>v=5</a:t>
+            </a:r>
+          </a:p>
+          <a:p>
+            <a:pPr algn="ctr"/>
+            <a:r>
+              <a:rPr lang="en-US" dirty="0" smtClean="0"/>
+              <a:t>d=0</a:t>
+            </a:r>
+            <a:endParaRPr lang="en-US" dirty="0"/>
+          </a:p>
+        </p:txBody>
+      </p:sp>
+      <p:sp>
+        <p:nvSpPr>
+          <p:cNvPr id="15" name="Овал 14"/>
+          <p:cNvSpPr/>
+          <p:nvPr/>
+        </p:nvSpPr>
+        <p:spPr>
+          <a:xfrm>
+            <a:off x="4943078" y="3355883"/>
+            <a:ext cx="864096" cy="792088"/>
+          </a:xfrm>
+          <a:prstGeom prst="ellipse">
+            <a:avLst/>
+          </a:prstGeom>
+          <a:solidFill>
+            <a:srgbClr val="7030A0"/>
+          </a:solidFill>
+        </p:spPr>
+        <p:style>
+          <a:lnRef idx="2">
+            <a:schemeClr val="accent1">
+              <a:shade val="50000"/>
+            </a:schemeClr>
+          </a:lnRef>
+          <a:fillRef idx="1">
+            <a:schemeClr val="accent1"/>
+          </a:fillRef>
+          <a:effectRef idx="0">
+            <a:schemeClr val="accent1"/>
+          </a:effectRef>
+          <a:fontRef idx="minor">
+            <a:schemeClr val="lt1"/>
+          </a:fontRef>
+        </p:style>
+        <p:txBody>
+          <a:bodyPr rtlCol="0" anchor="ctr"/>
+          <a:lstStyle/>
+          <a:p>
+            <a:pPr algn="ctr"/>
+            <a:r>
+              <a:rPr lang="en-US" dirty="0" smtClean="0"/>
+              <a:t>v=6d=2</a:t>
+            </a:r>
+            <a:endParaRPr lang="en-US" dirty="0"/>
+          </a:p>
+        </p:txBody>
+      </p:sp>
+      <p:cxnSp>
+        <p:nvCxnSpPr>
+          <p:cNvPr id="18" name="Прямая со стрелкой 17"/>
+          <p:cNvCxnSpPr>
+            <a:stCxn id="15" idx="1"/>
+            <a:endCxn id="4" idx="6"/>
+          </p:cNvCxnSpPr>
+          <p:nvPr/>
+        </p:nvCxnSpPr>
+        <p:spPr>
+          <a:xfrm flipH="1" flipV="1">
+            <a:off x="3502918" y="2418322"/>
+            <a:ext cx="1566704" cy="1053560"/>
+          </a:xfrm>
+          <a:prstGeom prst="straightConnector1">
+            <a:avLst/>
+          </a:prstGeom>
+          <a:ln>
+            <a:tailEnd type="arrow"/>
+          </a:ln>
+        </p:spPr>
+        <p:style>
+          <a:lnRef idx="1">
+            <a:schemeClr val="accent1"/>
+          </a:lnRef>
+          <a:fillRef idx="0">
+            <a:schemeClr val="accent1"/>
+          </a:fillRef>
+          <a:effectRef idx="0">
+            <a:schemeClr val="accent1"/>
+          </a:effectRef>
+          <a:fontRef idx="minor">
+            <a:schemeClr val="tx1"/>
+          </a:fontRef>
+        </p:style>
+      </p:cxnSp>
+    </p:spTree>
+    <p:extLst>
+      <p:ext uri="{BB962C8B-B14F-4D97-AF65-F5344CB8AC3E}">
+        <p14:creationId xmlns:p14="http://schemas.microsoft.com/office/powerpoint/2010/main" val="2780319418"/>
+      </p:ext>
+    </p:extLst>
+  </p:cSld>
+  <p:clrMapOvr>
+    <a:masterClrMapping/>
+  </p:clrMapOvr>
+</p:sld>
+</file>
+
+<file path=ppt/slides/slide16.xml><?xml version="1.0" encoding="utf-8"?>
+<p:sld xmlns:a="http://schemas.openxmlformats.org/drawingml/2006/main" xmlns:r="http://schemas.openxmlformats.org/officeDocument/2006/relationships" xmlns:p="http://schemas.openxmlformats.org/presentationml/2006/main">
+  <p:cSld>
+    <p:spTree>
+      <p:nvGrpSpPr>
+        <p:cNvPr id="1" name=""/>
+        <p:cNvGrpSpPr/>
+        <p:nvPr/>
+      </p:nvGrpSpPr>
+      <p:grpSpPr>
+        <a:xfrm>
+          <a:off x="0" y="0"/>
+          <a:ext cx="0" cy="0"/>
+          <a:chOff x="0" y="0"/>
+          <a:chExt cx="0" cy="0"/>
+        </a:xfrm>
+      </p:grpSpPr>
+      <p:sp>
+        <p:nvSpPr>
+          <p:cNvPr id="2" name="Заголовок 1"/>
+          <p:cNvSpPr>
+            <a:spLocks noGrp="1"/>
+          </p:cNvSpPr>
+          <p:nvPr>
+            <p:ph type="title"/>
+          </p:nvPr>
+        </p:nvSpPr>
+        <p:spPr/>
+        <p:txBody>
+          <a:bodyPr/>
+          <a:lstStyle/>
+          <a:p>
+            <a:r>
+              <a:rPr lang="ru-RU" cap="none" dirty="0" smtClean="0"/>
+              <a:t>Тест(</a:t>
+            </a:r>
+            <a:r>
+              <a:rPr lang="en-US" cap="none" dirty="0" smtClean="0"/>
+              <a:t> push(5, 7)</a:t>
+            </a:r>
+            <a:r>
+              <a:rPr lang="ru-RU" cap="none" dirty="0" smtClean="0"/>
+              <a:t>)</a:t>
+            </a:r>
+            <a:endParaRPr lang="ru-RU" cap="none" dirty="0"/>
+          </a:p>
+        </p:txBody>
+      </p:sp>
+      <p:sp>
+        <p:nvSpPr>
+          <p:cNvPr id="3" name="Объект 2"/>
+          <p:cNvSpPr>
+            <a:spLocks noGrp="1"/>
+          </p:cNvSpPr>
+          <p:nvPr>
+            <p:ph sz="quarter" idx="13"/>
+          </p:nvPr>
+        </p:nvSpPr>
+        <p:spPr/>
+        <p:txBody>
+          <a:bodyPr/>
+          <a:lstStyle/>
+          <a:p>
+            <a:endParaRPr lang="ru-RU" dirty="0"/>
+          </a:p>
+        </p:txBody>
+      </p:sp>
+      <p:sp>
+        <p:nvSpPr>
+          <p:cNvPr id="4" name="Овал 3"/>
+          <p:cNvSpPr/>
+          <p:nvPr/>
+        </p:nvSpPr>
+        <p:spPr>
+          <a:xfrm>
+            <a:off x="2638822" y="2022278"/>
+            <a:ext cx="864096" cy="792088"/>
+          </a:xfrm>
+          <a:prstGeom prst="ellipse">
+            <a:avLst/>
+          </a:prstGeom>
+          <a:solidFill>
+            <a:srgbClr val="00B050"/>
+          </a:solidFill>
+        </p:spPr>
+        <p:style>
+          <a:lnRef idx="2">
+            <a:schemeClr val="accent1">
+              <a:shade val="50000"/>
+            </a:schemeClr>
+          </a:lnRef>
+          <a:fillRef idx="1">
+            <a:schemeClr val="accent1"/>
+          </a:fillRef>
+          <a:effectRef idx="0">
+            <a:schemeClr val="accent1"/>
+          </a:effectRef>
+          <a:fontRef idx="minor">
+            <a:schemeClr val="lt1"/>
+          </a:fontRef>
+        </p:style>
+        <p:txBody>
+          <a:bodyPr rtlCol="0" anchor="ctr"/>
+          <a:lstStyle/>
+          <a:p>
+            <a:pPr algn="ctr"/>
+            <a:r>
+              <a:rPr lang="en-US" dirty="0"/>
+              <a:t>v</a:t>
+            </a:r>
+            <a:r>
+              <a:rPr lang="en-US" dirty="0" smtClean="0"/>
+              <a:t>=0</a:t>
+            </a:r>
+          </a:p>
+          <a:p>
+            <a:pPr algn="ctr"/>
+            <a:r>
+              <a:rPr lang="en-US" dirty="0" smtClean="0"/>
+              <a:t>d=0</a:t>
+            </a:r>
+            <a:endParaRPr lang="en-US" dirty="0"/>
+          </a:p>
+        </p:txBody>
+      </p:sp>
+      <p:sp>
+        <p:nvSpPr>
+          <p:cNvPr id="8" name="Овал 7"/>
+          <p:cNvSpPr/>
+          <p:nvPr/>
+        </p:nvSpPr>
+        <p:spPr>
+          <a:xfrm>
+            <a:off x="1484929" y="3355883"/>
+            <a:ext cx="864096" cy="792088"/>
+          </a:xfrm>
+          <a:prstGeom prst="ellipse">
+            <a:avLst/>
+          </a:prstGeom>
+          <a:solidFill>
+            <a:srgbClr val="7030A0"/>
+          </a:solidFill>
+        </p:spPr>
+        <p:style>
+          <a:lnRef idx="2">
+            <a:schemeClr val="accent1">
+              <a:shade val="50000"/>
+            </a:schemeClr>
+          </a:lnRef>
+          <a:fillRef idx="1">
+            <a:schemeClr val="accent1"/>
+          </a:fillRef>
+          <a:effectRef idx="0">
+            <a:schemeClr val="accent1"/>
+          </a:effectRef>
+          <a:fontRef idx="minor">
+            <a:schemeClr val="lt1"/>
+          </a:fontRef>
+        </p:style>
+        <p:txBody>
+          <a:bodyPr rtlCol="0" anchor="ctr"/>
+          <a:lstStyle/>
+          <a:p>
+            <a:pPr algn="ctr"/>
+            <a:r>
+              <a:rPr lang="en-US" dirty="0" smtClean="0"/>
+              <a:t>v=1</a:t>
+            </a:r>
+          </a:p>
+          <a:p>
+            <a:pPr algn="ctr"/>
+            <a:r>
+              <a:rPr lang="en-US" dirty="0" smtClean="0"/>
+              <a:t>d=5</a:t>
+            </a:r>
+            <a:endParaRPr lang="en-US" dirty="0"/>
+          </a:p>
+        </p:txBody>
+      </p:sp>
+      <p:cxnSp>
+        <p:nvCxnSpPr>
+          <p:cNvPr id="12" name="Прямая со стрелкой 11"/>
+          <p:cNvCxnSpPr>
+            <a:stCxn id="8" idx="7"/>
+            <a:endCxn id="4" idx="3"/>
+          </p:cNvCxnSpPr>
+          <p:nvPr/>
+        </p:nvCxnSpPr>
+        <p:spPr>
+          <a:xfrm flipV="1">
+            <a:off x="2222481" y="2698367"/>
+            <a:ext cx="542885" cy="773515"/>
+          </a:xfrm>
+          <a:prstGeom prst="straightConnector1">
+            <a:avLst/>
+          </a:prstGeom>
+          <a:ln>
+            <a:tailEnd type="arrow"/>
+          </a:ln>
+        </p:spPr>
+        <p:style>
+          <a:lnRef idx="1">
+            <a:schemeClr val="accent1"/>
+          </a:lnRef>
+          <a:fillRef idx="0">
+            <a:schemeClr val="accent1"/>
+          </a:fillRef>
+          <a:effectRef idx="0">
+            <a:schemeClr val="accent1"/>
+          </a:effectRef>
+          <a:fontRef idx="minor">
+            <a:schemeClr val="tx1"/>
+          </a:fontRef>
+        </p:style>
+      </p:cxnSp>
+      <p:sp>
+        <p:nvSpPr>
+          <p:cNvPr id="10" name="Овал 9"/>
+          <p:cNvSpPr/>
+          <p:nvPr/>
+        </p:nvSpPr>
+        <p:spPr>
+          <a:xfrm>
+            <a:off x="2638822" y="3355883"/>
+            <a:ext cx="864096" cy="792088"/>
+          </a:xfrm>
+          <a:prstGeom prst="ellipse">
+            <a:avLst/>
+          </a:prstGeom>
+          <a:solidFill>
+            <a:srgbClr val="7030A0"/>
+          </a:solidFill>
+        </p:spPr>
+        <p:style>
+          <a:lnRef idx="2">
+            <a:schemeClr val="accent1">
+              <a:shade val="50000"/>
+            </a:schemeClr>
+          </a:lnRef>
+          <a:fillRef idx="1">
+            <a:schemeClr val="accent1"/>
+          </a:fillRef>
+          <a:effectRef idx="0">
+            <a:schemeClr val="accent1"/>
+          </a:effectRef>
+          <a:fontRef idx="minor">
+            <a:schemeClr val="lt1"/>
+          </a:fontRef>
+        </p:style>
+        <p:txBody>
+          <a:bodyPr rtlCol="0" anchor="ctr"/>
+          <a:lstStyle/>
+          <a:p>
+            <a:pPr algn="ctr"/>
+            <a:r>
+              <a:rPr lang="en-US" dirty="0" smtClean="0"/>
+              <a:t>v=2</a:t>
+            </a:r>
+          </a:p>
+          <a:p>
+            <a:pPr algn="ctr"/>
+            <a:r>
+              <a:rPr lang="en-US" dirty="0" smtClean="0"/>
+              <a:t>d=2</a:t>
+            </a:r>
+            <a:endParaRPr lang="en-US" dirty="0"/>
+          </a:p>
+        </p:txBody>
+      </p:sp>
+      <p:cxnSp>
+        <p:nvCxnSpPr>
+          <p:cNvPr id="11" name="Прямая со стрелкой 10"/>
+          <p:cNvCxnSpPr>
+            <a:stCxn id="10" idx="0"/>
+            <a:endCxn id="4" idx="4"/>
+          </p:cNvCxnSpPr>
+          <p:nvPr/>
+        </p:nvCxnSpPr>
+        <p:spPr>
+          <a:xfrm flipV="1">
+            <a:off x="3070870" y="2814366"/>
+            <a:ext cx="0" cy="541517"/>
+          </a:xfrm>
+          <a:prstGeom prst="straightConnector1">
+            <a:avLst/>
+          </a:prstGeom>
+          <a:ln>
+            <a:tailEnd type="arrow"/>
+          </a:ln>
+        </p:spPr>
+        <p:style>
+          <a:lnRef idx="1">
+            <a:schemeClr val="accent1"/>
+          </a:lnRef>
+          <a:fillRef idx="0">
+            <a:schemeClr val="accent1"/>
+          </a:fillRef>
+          <a:effectRef idx="0">
+            <a:schemeClr val="accent1"/>
+          </a:effectRef>
+          <a:fontRef idx="minor">
+            <a:schemeClr val="tx1"/>
+          </a:fontRef>
+        </p:style>
+      </p:cxnSp>
+      <p:sp>
+        <p:nvSpPr>
+          <p:cNvPr id="9" name="Овал 8"/>
+          <p:cNvSpPr/>
+          <p:nvPr/>
+        </p:nvSpPr>
+        <p:spPr>
+          <a:xfrm>
+            <a:off x="3862958" y="3355883"/>
+            <a:ext cx="864096" cy="792088"/>
+          </a:xfrm>
+          <a:prstGeom prst="ellipse">
+            <a:avLst/>
+          </a:prstGeom>
+          <a:solidFill>
+            <a:srgbClr val="7030A0"/>
+          </a:solidFill>
+        </p:spPr>
+        <p:style>
+          <a:lnRef idx="2">
+            <a:schemeClr val="accent1">
+              <a:shade val="50000"/>
+            </a:schemeClr>
+          </a:lnRef>
+          <a:fillRef idx="1">
+            <a:schemeClr val="accent1"/>
+          </a:fillRef>
+          <a:effectRef idx="0">
+            <a:schemeClr val="accent1"/>
+          </a:effectRef>
+          <a:fontRef idx="minor">
+            <a:schemeClr val="lt1"/>
+          </a:fontRef>
+        </p:style>
+        <p:txBody>
+          <a:bodyPr rtlCol="0" anchor="ctr"/>
+          <a:lstStyle/>
+          <a:p>
+            <a:pPr algn="ctr"/>
+            <a:r>
+              <a:rPr lang="en-US" dirty="0" smtClean="0"/>
+              <a:t>v=3</a:t>
+            </a:r>
+          </a:p>
+          <a:p>
+            <a:pPr algn="ctr"/>
+            <a:r>
+              <a:rPr lang="en-US" dirty="0" smtClean="0"/>
+              <a:t>d=7</a:t>
+            </a:r>
+            <a:endParaRPr lang="en-US" dirty="0"/>
+          </a:p>
+        </p:txBody>
+      </p:sp>
+      <p:cxnSp>
+        <p:nvCxnSpPr>
+          <p:cNvPr id="6" name="Прямая со стрелкой 5"/>
+          <p:cNvCxnSpPr>
+            <a:stCxn id="9" idx="1"/>
+            <a:endCxn id="4" idx="5"/>
+          </p:cNvCxnSpPr>
+          <p:nvPr/>
+        </p:nvCxnSpPr>
+        <p:spPr>
+          <a:xfrm flipH="1" flipV="1">
+            <a:off x="3376374" y="2698367"/>
+            <a:ext cx="613128" cy="773515"/>
+          </a:xfrm>
+          <a:prstGeom prst="straightConnector1">
+            <a:avLst/>
+          </a:prstGeom>
+          <a:ln>
+            <a:tailEnd type="arrow"/>
+          </a:ln>
+        </p:spPr>
+        <p:style>
+          <a:lnRef idx="1">
+            <a:schemeClr val="accent1"/>
+          </a:lnRef>
+          <a:fillRef idx="0">
+            <a:schemeClr val="accent1"/>
+          </a:fillRef>
+          <a:effectRef idx="0">
+            <a:schemeClr val="accent1"/>
+          </a:effectRef>
+          <a:fontRef idx="minor">
+            <a:schemeClr val="tx1"/>
+          </a:fontRef>
+        </p:style>
+      </p:cxnSp>
+      <p:sp>
+        <p:nvSpPr>
+          <p:cNvPr id="13" name="Овал 12"/>
+          <p:cNvSpPr/>
+          <p:nvPr/>
+        </p:nvSpPr>
+        <p:spPr>
+          <a:xfrm>
+            <a:off x="2638822" y="4581922"/>
+            <a:ext cx="864096" cy="792088"/>
+          </a:xfrm>
+          <a:prstGeom prst="ellipse">
+            <a:avLst/>
+          </a:prstGeom>
+          <a:solidFill>
+            <a:srgbClr val="7030A0"/>
+          </a:solidFill>
+        </p:spPr>
+        <p:style>
+          <a:lnRef idx="2">
+            <a:schemeClr val="accent1">
+              <a:shade val="50000"/>
+            </a:schemeClr>
+          </a:lnRef>
+          <a:fillRef idx="1">
+            <a:schemeClr val="accent1"/>
+          </a:fillRef>
+          <a:effectRef idx="0">
+            <a:schemeClr val="accent1"/>
+          </a:effectRef>
+          <a:fontRef idx="minor">
+            <a:schemeClr val="lt1"/>
+          </a:fontRef>
+        </p:style>
+        <p:txBody>
+          <a:bodyPr rtlCol="0" anchor="ctr"/>
+          <a:lstStyle/>
+          <a:p>
+            <a:pPr algn="ctr"/>
+            <a:r>
+              <a:rPr lang="en-US" dirty="0" smtClean="0"/>
+              <a:t>v=4</a:t>
+            </a:r>
+          </a:p>
+          <a:p>
+            <a:pPr algn="ctr"/>
+            <a:r>
+              <a:rPr lang="en-US" dirty="0" smtClean="0"/>
+              <a:t>d=3</a:t>
+            </a:r>
+            <a:endParaRPr lang="en-US" dirty="0"/>
+          </a:p>
+        </p:txBody>
+      </p:sp>
+      <p:cxnSp>
+        <p:nvCxnSpPr>
+          <p:cNvPr id="7" name="Прямая со стрелкой 6"/>
+          <p:cNvCxnSpPr>
+            <a:endCxn id="10" idx="4"/>
+          </p:cNvCxnSpPr>
+          <p:nvPr/>
+        </p:nvCxnSpPr>
+        <p:spPr>
+          <a:xfrm flipV="1">
+            <a:off x="3070870" y="4147971"/>
+            <a:ext cx="0" cy="433951"/>
+          </a:xfrm>
+          <a:prstGeom prst="straightConnector1">
+            <a:avLst/>
+          </a:prstGeom>
+          <a:ln>
+            <a:tailEnd type="arrow"/>
+          </a:ln>
+        </p:spPr>
+        <p:style>
+          <a:lnRef idx="1">
+            <a:schemeClr val="accent1"/>
+          </a:lnRef>
+          <a:fillRef idx="0">
+            <a:schemeClr val="accent1"/>
+          </a:fillRef>
+          <a:effectRef idx="0">
+            <a:schemeClr val="accent1"/>
+          </a:effectRef>
+          <a:fontRef idx="minor">
+            <a:schemeClr val="tx1"/>
+          </a:fontRef>
+        </p:style>
+      </p:cxnSp>
+      <p:sp>
+        <p:nvSpPr>
+          <p:cNvPr id="14" name="Овал 13"/>
+          <p:cNvSpPr/>
+          <p:nvPr/>
+        </p:nvSpPr>
+        <p:spPr>
+          <a:xfrm>
+            <a:off x="5807174" y="2022278"/>
+            <a:ext cx="864096" cy="792088"/>
+          </a:xfrm>
+          <a:prstGeom prst="ellipse">
+            <a:avLst/>
+          </a:prstGeom>
+          <a:solidFill>
+            <a:srgbClr val="00B050"/>
+          </a:solidFill>
+        </p:spPr>
+        <p:style>
+          <a:lnRef idx="2">
+            <a:schemeClr val="accent1">
+              <a:shade val="50000"/>
+            </a:schemeClr>
+          </a:lnRef>
+          <a:fillRef idx="1">
+            <a:schemeClr val="accent1"/>
+          </a:fillRef>
+          <a:effectRef idx="0">
+            <a:schemeClr val="accent1"/>
+          </a:effectRef>
+          <a:fontRef idx="minor">
+            <a:schemeClr val="lt1"/>
+          </a:fontRef>
+        </p:style>
+        <p:txBody>
+          <a:bodyPr rtlCol="0" anchor="ctr"/>
+          <a:lstStyle/>
+          <a:p>
+            <a:pPr algn="ctr"/>
+            <a:r>
+              <a:rPr lang="en-US" dirty="0" smtClean="0"/>
+              <a:t>v=5</a:t>
+            </a:r>
+          </a:p>
+          <a:p>
+            <a:pPr algn="ctr"/>
+            <a:r>
+              <a:rPr lang="en-US" dirty="0" smtClean="0"/>
+              <a:t>d=0</a:t>
+            </a:r>
+            <a:endParaRPr lang="en-US" dirty="0"/>
+          </a:p>
+        </p:txBody>
+      </p:sp>
+      <p:sp>
+        <p:nvSpPr>
+          <p:cNvPr id="15" name="Овал 14"/>
+          <p:cNvSpPr/>
+          <p:nvPr/>
+        </p:nvSpPr>
+        <p:spPr>
+          <a:xfrm>
+            <a:off x="4943078" y="3355883"/>
+            <a:ext cx="864096" cy="792088"/>
+          </a:xfrm>
+          <a:prstGeom prst="ellipse">
+            <a:avLst/>
+          </a:prstGeom>
+          <a:solidFill>
+            <a:srgbClr val="7030A0"/>
+          </a:solidFill>
+        </p:spPr>
+        <p:style>
+          <a:lnRef idx="2">
+            <a:schemeClr val="accent1">
+              <a:shade val="50000"/>
+            </a:schemeClr>
+          </a:lnRef>
+          <a:fillRef idx="1">
+            <a:schemeClr val="accent1"/>
+          </a:fillRef>
+          <a:effectRef idx="0">
+            <a:schemeClr val="accent1"/>
+          </a:effectRef>
+          <a:fontRef idx="minor">
+            <a:schemeClr val="lt1"/>
+          </a:fontRef>
+        </p:style>
+        <p:txBody>
+          <a:bodyPr rtlCol="0" anchor="ctr"/>
+          <a:lstStyle/>
+          <a:p>
+            <a:pPr algn="ctr"/>
+            <a:r>
+              <a:rPr lang="en-US" dirty="0" smtClean="0"/>
+              <a:t>v=6d=2</a:t>
+            </a:r>
+            <a:endParaRPr lang="en-US" dirty="0"/>
+          </a:p>
+        </p:txBody>
+      </p:sp>
+      <p:cxnSp>
+        <p:nvCxnSpPr>
+          <p:cNvPr id="18" name="Прямая со стрелкой 17"/>
+          <p:cNvCxnSpPr>
+            <a:stCxn id="15" idx="1"/>
+            <a:endCxn id="4" idx="6"/>
+          </p:cNvCxnSpPr>
+          <p:nvPr/>
+        </p:nvCxnSpPr>
+        <p:spPr>
+          <a:xfrm flipH="1" flipV="1">
+            <a:off x="3502918" y="2418322"/>
+            <a:ext cx="1566704" cy="1053560"/>
+          </a:xfrm>
+          <a:prstGeom prst="straightConnector1">
+            <a:avLst/>
+          </a:prstGeom>
+          <a:ln>
+            <a:tailEnd type="arrow"/>
+          </a:ln>
+        </p:spPr>
+        <p:style>
+          <a:lnRef idx="1">
+            <a:schemeClr val="accent1"/>
+          </a:lnRef>
+          <a:fillRef idx="0">
+            <a:schemeClr val="accent1"/>
+          </a:fillRef>
+          <a:effectRef idx="0">
+            <a:schemeClr val="accent1"/>
+          </a:effectRef>
+          <a:fontRef idx="minor">
+            <a:schemeClr val="tx1"/>
+          </a:fontRef>
+        </p:style>
+      </p:cxnSp>
+      <p:sp>
+        <p:nvSpPr>
+          <p:cNvPr id="16" name="Овал 15"/>
+          <p:cNvSpPr/>
+          <p:nvPr/>
+        </p:nvSpPr>
+        <p:spPr>
+          <a:xfrm>
+            <a:off x="6383238" y="3355883"/>
+            <a:ext cx="864096" cy="792088"/>
+          </a:xfrm>
+          <a:prstGeom prst="ellipse">
+            <a:avLst/>
+          </a:prstGeom>
+          <a:solidFill>
+            <a:srgbClr val="7030A0"/>
+          </a:solidFill>
+        </p:spPr>
+        <p:style>
+          <a:lnRef idx="2">
+            <a:schemeClr val="accent1">
+              <a:shade val="50000"/>
+            </a:schemeClr>
+          </a:lnRef>
+          <a:fillRef idx="1">
+            <a:schemeClr val="accent1"/>
+          </a:fillRef>
+          <a:effectRef idx="0">
+            <a:schemeClr val="accent1"/>
+          </a:effectRef>
+          <a:fontRef idx="minor">
+            <a:schemeClr val="lt1"/>
+          </a:fontRef>
+        </p:style>
+        <p:txBody>
+          <a:bodyPr rtlCol="0" anchor="ctr"/>
+          <a:lstStyle/>
+          <a:p>
+            <a:pPr algn="ctr"/>
+            <a:r>
+              <a:rPr lang="en-US" dirty="0" smtClean="0"/>
+              <a:t>v=7</a:t>
+            </a:r>
+          </a:p>
+          <a:p>
+            <a:pPr algn="ctr"/>
+            <a:r>
+              <a:rPr lang="en-US" dirty="0" smtClean="0"/>
+              <a:t>d=7</a:t>
+            </a:r>
+            <a:endParaRPr lang="en-US" dirty="0"/>
+          </a:p>
+        </p:txBody>
+      </p:sp>
+      <p:cxnSp>
+        <p:nvCxnSpPr>
+          <p:cNvPr id="20" name="Прямая со стрелкой 19"/>
+          <p:cNvCxnSpPr>
+            <a:endCxn id="14" idx="5"/>
+          </p:cNvCxnSpPr>
+          <p:nvPr/>
+        </p:nvCxnSpPr>
+        <p:spPr>
+          <a:xfrm flipH="1" flipV="1">
+            <a:off x="6544726" y="2698367"/>
+            <a:ext cx="270560" cy="657516"/>
+          </a:xfrm>
+          <a:prstGeom prst="straightConnector1">
+            <a:avLst/>
+          </a:prstGeom>
+          <a:ln>
+            <a:tailEnd type="arrow"/>
+          </a:ln>
+        </p:spPr>
+        <p:style>
+          <a:lnRef idx="1">
+            <a:schemeClr val="accent1"/>
+          </a:lnRef>
+          <a:fillRef idx="0">
+            <a:schemeClr val="accent1"/>
+          </a:fillRef>
+          <a:effectRef idx="0">
+            <a:schemeClr val="accent1"/>
+          </a:effectRef>
+          <a:fontRef idx="minor">
+            <a:schemeClr val="tx1"/>
+          </a:fontRef>
+        </p:style>
+      </p:cxnSp>
+    </p:spTree>
+    <p:extLst>
+      <p:ext uri="{BB962C8B-B14F-4D97-AF65-F5344CB8AC3E}">
+        <p14:creationId xmlns:p14="http://schemas.microsoft.com/office/powerpoint/2010/main" val="1441533713"/>
+      </p:ext>
+    </p:extLst>
+  </p:cSld>
+  <p:clrMapOvr>
+    <a:masterClrMapping/>
+  </p:clrMapOvr>
+</p:sld>
+</file>
+
+<file path=ppt/slides/slide17.xml><?xml version="1.0" encoding="utf-8"?>
+<p:sld xmlns:a="http://schemas.openxmlformats.org/drawingml/2006/main" xmlns:r="http://schemas.openxmlformats.org/officeDocument/2006/relationships" xmlns:p="http://schemas.openxmlformats.org/presentationml/2006/main">
+  <p:cSld>
+    <p:spTree>
+      <p:nvGrpSpPr>
+        <p:cNvPr id="1" name=""/>
+        <p:cNvGrpSpPr/>
+        <p:nvPr/>
+      </p:nvGrpSpPr>
+      <p:grpSpPr>
+        <a:xfrm>
+          <a:off x="0" y="0"/>
+          <a:ext cx="0" cy="0"/>
+          <a:chOff x="0" y="0"/>
+          <a:chExt cx="0" cy="0"/>
+        </a:xfrm>
+      </p:grpSpPr>
+      <p:sp>
+        <p:nvSpPr>
+          <p:cNvPr id="2" name="Заголовок 1"/>
+          <p:cNvSpPr>
+            <a:spLocks noGrp="1"/>
+          </p:cNvSpPr>
+          <p:nvPr>
+            <p:ph type="title"/>
+          </p:nvPr>
+        </p:nvSpPr>
+        <p:spPr/>
+        <p:txBody>
+          <a:bodyPr/>
+          <a:lstStyle/>
+          <a:p>
+            <a:r>
+              <a:rPr lang="ru-RU" cap="none" dirty="0" smtClean="0"/>
+              <a:t>Тест(</a:t>
+            </a:r>
+            <a:r>
+              <a:rPr lang="en-US" cap="none" dirty="0" smtClean="0"/>
+              <a:t> pop(6)</a:t>
+            </a:r>
+            <a:r>
+              <a:rPr lang="ru-RU" cap="none" dirty="0" smtClean="0"/>
+              <a:t>)</a:t>
+            </a:r>
+            <a:endParaRPr lang="ru-RU" cap="none" dirty="0"/>
+          </a:p>
+        </p:txBody>
+      </p:sp>
+      <p:sp>
+        <p:nvSpPr>
+          <p:cNvPr id="3" name="Объект 2"/>
+          <p:cNvSpPr>
+            <a:spLocks noGrp="1"/>
+          </p:cNvSpPr>
+          <p:nvPr>
+            <p:ph sz="quarter" idx="13"/>
+          </p:nvPr>
+        </p:nvSpPr>
+        <p:spPr/>
+        <p:txBody>
+          <a:bodyPr/>
+          <a:lstStyle/>
+          <a:p>
+            <a:endParaRPr lang="ru-RU" dirty="0"/>
+          </a:p>
+        </p:txBody>
+      </p:sp>
+      <p:sp>
+        <p:nvSpPr>
+          <p:cNvPr id="4" name="Овал 3"/>
+          <p:cNvSpPr/>
+          <p:nvPr/>
+        </p:nvSpPr>
+        <p:spPr>
+          <a:xfrm>
+            <a:off x="2638822" y="2022278"/>
+            <a:ext cx="864096" cy="792088"/>
+          </a:xfrm>
+          <a:prstGeom prst="ellipse">
+            <a:avLst/>
+          </a:prstGeom>
+          <a:solidFill>
+            <a:srgbClr val="00B050"/>
+          </a:solidFill>
+        </p:spPr>
+        <p:style>
+          <a:lnRef idx="2">
+            <a:schemeClr val="accent1">
+              <a:shade val="50000"/>
+            </a:schemeClr>
+          </a:lnRef>
+          <a:fillRef idx="1">
+            <a:schemeClr val="accent1"/>
+          </a:fillRef>
+          <a:effectRef idx="0">
+            <a:schemeClr val="accent1"/>
+          </a:effectRef>
+          <a:fontRef idx="minor">
+            <a:schemeClr val="lt1"/>
+          </a:fontRef>
+        </p:style>
+        <p:txBody>
+          <a:bodyPr rtlCol="0" anchor="ctr"/>
+          <a:lstStyle/>
+          <a:p>
+            <a:pPr algn="ctr"/>
+            <a:r>
+              <a:rPr lang="en-US" dirty="0"/>
+              <a:t>v</a:t>
+            </a:r>
+            <a:r>
+              <a:rPr lang="en-US" dirty="0" smtClean="0"/>
+              <a:t>=0</a:t>
+            </a:r>
+          </a:p>
+          <a:p>
+            <a:pPr algn="ctr"/>
+            <a:r>
+              <a:rPr lang="en-US" dirty="0" smtClean="0"/>
+              <a:t>d=0</a:t>
+            </a:r>
+            <a:endParaRPr lang="en-US" dirty="0"/>
+          </a:p>
+        </p:txBody>
+      </p:sp>
+      <p:sp>
+        <p:nvSpPr>
+          <p:cNvPr id="8" name="Овал 7"/>
+          <p:cNvSpPr/>
+          <p:nvPr/>
+        </p:nvSpPr>
+        <p:spPr>
+          <a:xfrm>
+            <a:off x="1484929" y="3355883"/>
+            <a:ext cx="864096" cy="792088"/>
+          </a:xfrm>
+          <a:prstGeom prst="ellipse">
+            <a:avLst/>
+          </a:prstGeom>
+          <a:solidFill>
+            <a:srgbClr val="7030A0"/>
+          </a:solidFill>
+        </p:spPr>
+        <p:style>
+          <a:lnRef idx="2">
+            <a:schemeClr val="accent1">
+              <a:shade val="50000"/>
+            </a:schemeClr>
+          </a:lnRef>
+          <a:fillRef idx="1">
+            <a:schemeClr val="accent1"/>
+          </a:fillRef>
+          <a:effectRef idx="0">
+            <a:schemeClr val="accent1"/>
+          </a:effectRef>
+          <a:fontRef idx="minor">
+            <a:schemeClr val="lt1"/>
+          </a:fontRef>
+        </p:style>
+        <p:txBody>
+          <a:bodyPr rtlCol="0" anchor="ctr"/>
+          <a:lstStyle/>
+          <a:p>
+            <a:pPr algn="ctr"/>
+            <a:r>
+              <a:rPr lang="en-US" dirty="0" smtClean="0"/>
+              <a:t>v=1</a:t>
+            </a:r>
+          </a:p>
+          <a:p>
+            <a:pPr algn="ctr"/>
+            <a:r>
+              <a:rPr lang="en-US" dirty="0" smtClean="0"/>
+              <a:t>d=5</a:t>
+            </a:r>
+            <a:endParaRPr lang="en-US" dirty="0"/>
+          </a:p>
+        </p:txBody>
+      </p:sp>
+      <p:cxnSp>
+        <p:nvCxnSpPr>
+          <p:cNvPr id="12" name="Прямая со стрелкой 11"/>
+          <p:cNvCxnSpPr>
+            <a:stCxn id="8" idx="7"/>
+            <a:endCxn id="4" idx="3"/>
+          </p:cNvCxnSpPr>
+          <p:nvPr/>
+        </p:nvCxnSpPr>
+        <p:spPr>
+          <a:xfrm flipV="1">
+            <a:off x="2222481" y="2698367"/>
+            <a:ext cx="542885" cy="773515"/>
+          </a:xfrm>
+          <a:prstGeom prst="straightConnector1">
+            <a:avLst/>
+          </a:prstGeom>
+          <a:ln>
+            <a:tailEnd type="arrow"/>
+          </a:ln>
+        </p:spPr>
+        <p:style>
+          <a:lnRef idx="1">
+            <a:schemeClr val="accent1"/>
+          </a:lnRef>
+          <a:fillRef idx="0">
+            <a:schemeClr val="accent1"/>
+          </a:fillRef>
+          <a:effectRef idx="0">
+            <a:schemeClr val="accent1"/>
+          </a:effectRef>
+          <a:fontRef idx="minor">
+            <a:schemeClr val="tx1"/>
+          </a:fontRef>
+        </p:style>
+      </p:cxnSp>
+      <p:sp>
+        <p:nvSpPr>
+          <p:cNvPr id="10" name="Овал 9"/>
+          <p:cNvSpPr/>
+          <p:nvPr/>
+        </p:nvSpPr>
+        <p:spPr>
+          <a:xfrm>
+            <a:off x="2638822" y="3355883"/>
+            <a:ext cx="864096" cy="792088"/>
+          </a:xfrm>
+          <a:prstGeom prst="ellipse">
+            <a:avLst/>
+          </a:prstGeom>
+          <a:solidFill>
+            <a:srgbClr val="7030A0"/>
+          </a:solidFill>
+        </p:spPr>
+        <p:style>
+          <a:lnRef idx="2">
+            <a:schemeClr val="accent1">
+              <a:shade val="50000"/>
+            </a:schemeClr>
+          </a:lnRef>
+          <a:fillRef idx="1">
+            <a:schemeClr val="accent1"/>
+          </a:fillRef>
+          <a:effectRef idx="0">
+            <a:schemeClr val="accent1"/>
+          </a:effectRef>
+          <a:fontRef idx="minor">
+            <a:schemeClr val="lt1"/>
+          </a:fontRef>
+        </p:style>
+        <p:txBody>
+          <a:bodyPr rtlCol="0" anchor="ctr"/>
+          <a:lstStyle/>
+          <a:p>
+            <a:pPr algn="ctr"/>
+            <a:r>
+              <a:rPr lang="en-US" dirty="0" smtClean="0"/>
+              <a:t>v=2</a:t>
+            </a:r>
+          </a:p>
+          <a:p>
+            <a:pPr algn="ctr"/>
+            <a:r>
+              <a:rPr lang="en-US" dirty="0" smtClean="0"/>
+              <a:t>d=2</a:t>
+            </a:r>
+            <a:endParaRPr lang="en-US" dirty="0"/>
+          </a:p>
+        </p:txBody>
+      </p:sp>
+      <p:cxnSp>
+        <p:nvCxnSpPr>
+          <p:cNvPr id="11" name="Прямая со стрелкой 10"/>
+          <p:cNvCxnSpPr>
+            <a:stCxn id="10" idx="0"/>
+            <a:endCxn id="4" idx="4"/>
+          </p:cNvCxnSpPr>
+          <p:nvPr/>
+        </p:nvCxnSpPr>
+        <p:spPr>
+          <a:xfrm flipV="1">
+            <a:off x="3070870" y="2814366"/>
+            <a:ext cx="0" cy="541517"/>
+          </a:xfrm>
+          <a:prstGeom prst="straightConnector1">
+            <a:avLst/>
+          </a:prstGeom>
+          <a:ln>
+            <a:tailEnd type="arrow"/>
+          </a:ln>
+        </p:spPr>
+        <p:style>
+          <a:lnRef idx="1">
+            <a:schemeClr val="accent1"/>
+          </a:lnRef>
+          <a:fillRef idx="0">
+            <a:schemeClr val="accent1"/>
+          </a:fillRef>
+          <a:effectRef idx="0">
+            <a:schemeClr val="accent1"/>
+          </a:effectRef>
+          <a:fontRef idx="minor">
+            <a:schemeClr val="tx1"/>
+          </a:fontRef>
+        </p:style>
+      </p:cxnSp>
+      <p:sp>
+        <p:nvSpPr>
+          <p:cNvPr id="9" name="Овал 8"/>
+          <p:cNvSpPr/>
+          <p:nvPr/>
+        </p:nvSpPr>
+        <p:spPr>
+          <a:xfrm>
+            <a:off x="3862958" y="3355883"/>
+            <a:ext cx="864096" cy="792088"/>
+          </a:xfrm>
+          <a:prstGeom prst="ellipse">
+            <a:avLst/>
+          </a:prstGeom>
+          <a:solidFill>
+            <a:srgbClr val="7030A0"/>
+          </a:solidFill>
+        </p:spPr>
+        <p:style>
+          <a:lnRef idx="2">
+            <a:schemeClr val="accent1">
+              <a:shade val="50000"/>
+            </a:schemeClr>
+          </a:lnRef>
+          <a:fillRef idx="1">
+            <a:schemeClr val="accent1"/>
+          </a:fillRef>
+          <a:effectRef idx="0">
+            <a:schemeClr val="accent1"/>
+          </a:effectRef>
+          <a:fontRef idx="minor">
+            <a:schemeClr val="lt1"/>
+          </a:fontRef>
+        </p:style>
+        <p:txBody>
+          <a:bodyPr rtlCol="0" anchor="ctr"/>
+          <a:lstStyle/>
+          <a:p>
+            <a:pPr algn="ctr"/>
+            <a:r>
+              <a:rPr lang="en-US" dirty="0" smtClean="0"/>
+              <a:t>v=3</a:t>
+            </a:r>
+          </a:p>
+          <a:p>
+            <a:pPr algn="ctr"/>
+            <a:r>
+              <a:rPr lang="en-US" dirty="0" smtClean="0"/>
+              <a:t>d=7</a:t>
+            </a:r>
+            <a:endParaRPr lang="en-US" dirty="0"/>
+          </a:p>
+        </p:txBody>
+      </p:sp>
+      <p:cxnSp>
+        <p:nvCxnSpPr>
+          <p:cNvPr id="6" name="Прямая со стрелкой 5"/>
+          <p:cNvCxnSpPr>
+            <a:stCxn id="9" idx="1"/>
+            <a:endCxn id="4" idx="5"/>
+          </p:cNvCxnSpPr>
+          <p:nvPr/>
+        </p:nvCxnSpPr>
+        <p:spPr>
+          <a:xfrm flipH="1" flipV="1">
+            <a:off x="3376374" y="2698367"/>
+            <a:ext cx="613128" cy="773515"/>
+          </a:xfrm>
+          <a:prstGeom prst="straightConnector1">
+            <a:avLst/>
+          </a:prstGeom>
+          <a:ln>
+            <a:tailEnd type="arrow"/>
+          </a:ln>
+        </p:spPr>
+        <p:style>
+          <a:lnRef idx="1">
+            <a:schemeClr val="accent1"/>
+          </a:lnRef>
+          <a:fillRef idx="0">
+            <a:schemeClr val="accent1"/>
+          </a:fillRef>
+          <a:effectRef idx="0">
+            <a:schemeClr val="accent1"/>
+          </a:effectRef>
+          <a:fontRef idx="minor">
+            <a:schemeClr val="tx1"/>
+          </a:fontRef>
+        </p:style>
+      </p:cxnSp>
+      <p:sp>
+        <p:nvSpPr>
+          <p:cNvPr id="13" name="Овал 12"/>
+          <p:cNvSpPr/>
+          <p:nvPr/>
+        </p:nvSpPr>
+        <p:spPr>
+          <a:xfrm>
+            <a:off x="2638822" y="4581922"/>
+            <a:ext cx="864096" cy="792088"/>
+          </a:xfrm>
+          <a:prstGeom prst="ellipse">
+            <a:avLst/>
+          </a:prstGeom>
+          <a:solidFill>
+            <a:srgbClr val="7030A0"/>
+          </a:solidFill>
+        </p:spPr>
+        <p:style>
+          <a:lnRef idx="2">
+            <a:schemeClr val="accent1">
+              <a:shade val="50000"/>
+            </a:schemeClr>
+          </a:lnRef>
+          <a:fillRef idx="1">
+            <a:schemeClr val="accent1"/>
+          </a:fillRef>
+          <a:effectRef idx="0">
+            <a:schemeClr val="accent1"/>
+          </a:effectRef>
+          <a:fontRef idx="minor">
+            <a:schemeClr val="lt1"/>
+          </a:fontRef>
+        </p:style>
+        <p:txBody>
+          <a:bodyPr rtlCol="0" anchor="ctr"/>
+          <a:lstStyle/>
+          <a:p>
+            <a:pPr algn="ctr"/>
+            <a:r>
+              <a:rPr lang="en-US" dirty="0" smtClean="0"/>
+              <a:t>v=4</a:t>
+            </a:r>
+          </a:p>
+          <a:p>
+            <a:pPr algn="ctr"/>
+            <a:r>
+              <a:rPr lang="en-US" dirty="0" smtClean="0"/>
+              <a:t>d=3</a:t>
+            </a:r>
+            <a:endParaRPr lang="en-US" dirty="0"/>
+          </a:p>
+        </p:txBody>
+      </p:sp>
+      <p:cxnSp>
+        <p:nvCxnSpPr>
+          <p:cNvPr id="7" name="Прямая со стрелкой 6"/>
+          <p:cNvCxnSpPr>
+            <a:endCxn id="10" idx="4"/>
+          </p:cNvCxnSpPr>
+          <p:nvPr/>
+        </p:nvCxnSpPr>
+        <p:spPr>
+          <a:xfrm flipV="1">
+            <a:off x="3070870" y="4147971"/>
+            <a:ext cx="0" cy="433951"/>
+          </a:xfrm>
+          <a:prstGeom prst="straightConnector1">
+            <a:avLst/>
+          </a:prstGeom>
+          <a:ln>
+            <a:tailEnd type="arrow"/>
+          </a:ln>
+        </p:spPr>
+        <p:style>
+          <a:lnRef idx="1">
+            <a:schemeClr val="accent1"/>
+          </a:lnRef>
+          <a:fillRef idx="0">
+            <a:schemeClr val="accent1"/>
+          </a:fillRef>
+          <a:effectRef idx="0">
+            <a:schemeClr val="accent1"/>
+          </a:effectRef>
+          <a:fontRef idx="minor">
+            <a:schemeClr val="tx1"/>
+          </a:fontRef>
+        </p:style>
+      </p:cxnSp>
+      <p:sp>
+        <p:nvSpPr>
+          <p:cNvPr id="14" name="Овал 13"/>
+          <p:cNvSpPr/>
+          <p:nvPr/>
+        </p:nvSpPr>
+        <p:spPr>
+          <a:xfrm>
+            <a:off x="5807174" y="2022278"/>
+            <a:ext cx="864096" cy="792088"/>
+          </a:xfrm>
+          <a:prstGeom prst="ellipse">
+            <a:avLst/>
+          </a:prstGeom>
+          <a:solidFill>
+            <a:srgbClr val="00B050"/>
+          </a:solidFill>
+        </p:spPr>
+        <p:style>
+          <a:lnRef idx="2">
+            <a:schemeClr val="accent1">
+              <a:shade val="50000"/>
+            </a:schemeClr>
+          </a:lnRef>
+          <a:fillRef idx="1">
+            <a:schemeClr val="accent1"/>
+          </a:fillRef>
+          <a:effectRef idx="0">
+            <a:schemeClr val="accent1"/>
+          </a:effectRef>
+          <a:fontRef idx="minor">
+            <a:schemeClr val="lt1"/>
+          </a:fontRef>
+        </p:style>
+        <p:txBody>
+          <a:bodyPr rtlCol="0" anchor="ctr"/>
+          <a:lstStyle/>
+          <a:p>
+            <a:pPr algn="ctr"/>
+            <a:r>
+              <a:rPr lang="en-US" dirty="0" smtClean="0"/>
+              <a:t>v=5</a:t>
+            </a:r>
+          </a:p>
+          <a:p>
+            <a:pPr algn="ctr"/>
+            <a:r>
+              <a:rPr lang="en-US" dirty="0" smtClean="0"/>
+              <a:t>d=0</a:t>
+            </a:r>
+            <a:endParaRPr lang="en-US" dirty="0"/>
+          </a:p>
+        </p:txBody>
+      </p:sp>
+      <p:sp>
+        <p:nvSpPr>
+          <p:cNvPr id="15" name="Овал 14"/>
+          <p:cNvSpPr/>
+          <p:nvPr/>
+        </p:nvSpPr>
+        <p:spPr>
+          <a:xfrm>
+            <a:off x="4943078" y="3355883"/>
+            <a:ext cx="864096" cy="792088"/>
+          </a:xfrm>
+          <a:prstGeom prst="ellipse">
+            <a:avLst/>
+          </a:prstGeom>
+          <a:solidFill>
+            <a:srgbClr val="7030A0"/>
+          </a:solidFill>
+        </p:spPr>
+        <p:style>
+          <a:lnRef idx="2">
+            <a:schemeClr val="accent1">
+              <a:shade val="50000"/>
+            </a:schemeClr>
+          </a:lnRef>
+          <a:fillRef idx="1">
+            <a:schemeClr val="accent1"/>
+          </a:fillRef>
+          <a:effectRef idx="0">
+            <a:schemeClr val="accent1"/>
+          </a:effectRef>
+          <a:fontRef idx="minor">
+            <a:schemeClr val="lt1"/>
+          </a:fontRef>
+        </p:style>
+        <p:txBody>
+          <a:bodyPr rtlCol="0" anchor="ctr"/>
+          <a:lstStyle/>
+          <a:p>
+            <a:pPr algn="ctr"/>
+            <a:r>
+              <a:rPr lang="en-US" dirty="0" smtClean="0"/>
+              <a:t>v=6d=2</a:t>
+            </a:r>
+            <a:endParaRPr lang="en-US" dirty="0"/>
+          </a:p>
+        </p:txBody>
+      </p:sp>
+      <p:cxnSp>
+        <p:nvCxnSpPr>
+          <p:cNvPr id="18" name="Прямая со стрелкой 17"/>
+          <p:cNvCxnSpPr>
+            <a:stCxn id="15" idx="1"/>
+            <a:endCxn id="4" idx="6"/>
+          </p:cNvCxnSpPr>
+          <p:nvPr/>
+        </p:nvCxnSpPr>
+        <p:spPr>
+          <a:xfrm flipH="1" flipV="1">
+            <a:off x="3502918" y="2418322"/>
+            <a:ext cx="1566704" cy="1053560"/>
+          </a:xfrm>
+          <a:prstGeom prst="straightConnector1">
+            <a:avLst/>
+          </a:prstGeom>
+          <a:ln>
+            <a:tailEnd type="arrow"/>
+          </a:ln>
+        </p:spPr>
+        <p:style>
+          <a:lnRef idx="1">
+            <a:schemeClr val="accent1"/>
+          </a:lnRef>
+          <a:fillRef idx="0">
+            <a:schemeClr val="accent1"/>
+          </a:fillRef>
+          <a:effectRef idx="0">
+            <a:schemeClr val="accent1"/>
+          </a:effectRef>
+          <a:fontRef idx="minor">
+            <a:schemeClr val="tx1"/>
+          </a:fontRef>
+        </p:style>
+      </p:cxnSp>
+      <p:sp>
+        <p:nvSpPr>
+          <p:cNvPr id="16" name="Овал 15"/>
+          <p:cNvSpPr/>
+          <p:nvPr/>
+        </p:nvSpPr>
+        <p:spPr>
+          <a:xfrm>
+            <a:off x="6383238" y="3355883"/>
+            <a:ext cx="864096" cy="792088"/>
+          </a:xfrm>
+          <a:prstGeom prst="ellipse">
+            <a:avLst/>
+          </a:prstGeom>
+          <a:solidFill>
+            <a:srgbClr val="7030A0"/>
+          </a:solidFill>
+        </p:spPr>
+        <p:style>
+          <a:lnRef idx="2">
+            <a:schemeClr val="accent1">
+              <a:shade val="50000"/>
+            </a:schemeClr>
+          </a:lnRef>
+          <a:fillRef idx="1">
+            <a:schemeClr val="accent1"/>
+          </a:fillRef>
+          <a:effectRef idx="0">
+            <a:schemeClr val="accent1"/>
+          </a:effectRef>
+          <a:fontRef idx="minor">
+            <a:schemeClr val="lt1"/>
+          </a:fontRef>
+        </p:style>
+        <p:txBody>
+          <a:bodyPr rtlCol="0" anchor="ctr"/>
+          <a:lstStyle/>
+          <a:p>
+            <a:pPr algn="ctr"/>
+            <a:r>
+              <a:rPr lang="en-US" dirty="0" smtClean="0"/>
+              <a:t>v=7</a:t>
+            </a:r>
+          </a:p>
+          <a:p>
+            <a:pPr algn="ctr"/>
+            <a:r>
+              <a:rPr lang="en-US" dirty="0" smtClean="0"/>
+              <a:t>d=7</a:t>
+            </a:r>
+            <a:endParaRPr lang="en-US" dirty="0"/>
+          </a:p>
+        </p:txBody>
+      </p:sp>
+      <p:cxnSp>
+        <p:nvCxnSpPr>
+          <p:cNvPr id="20" name="Прямая со стрелкой 19"/>
+          <p:cNvCxnSpPr>
+            <a:endCxn id="14" idx="5"/>
+          </p:cNvCxnSpPr>
+          <p:nvPr/>
+        </p:nvCxnSpPr>
+        <p:spPr>
+          <a:xfrm flipH="1" flipV="1">
+            <a:off x="6544726" y="2698367"/>
+            <a:ext cx="270560" cy="657516"/>
+          </a:xfrm>
+          <a:prstGeom prst="straightConnector1">
+            <a:avLst/>
+          </a:prstGeom>
+          <a:ln>
+            <a:tailEnd type="arrow"/>
+          </a:ln>
+        </p:spPr>
+        <p:style>
+          <a:lnRef idx="1">
+            <a:schemeClr val="accent1"/>
+          </a:lnRef>
+          <a:fillRef idx="0">
+            <a:schemeClr val="accent1"/>
+          </a:fillRef>
+          <a:effectRef idx="0">
+            <a:schemeClr val="accent1"/>
+          </a:effectRef>
+          <a:fontRef idx="minor">
+            <a:schemeClr val="tx1"/>
+          </a:fontRef>
+        </p:style>
+      </p:cxnSp>
+      <p:sp>
+        <p:nvSpPr>
+          <p:cNvPr id="19" name="Овал 18"/>
+          <p:cNvSpPr/>
+          <p:nvPr/>
+        </p:nvSpPr>
+        <p:spPr>
+          <a:xfrm>
+            <a:off x="8327454" y="2022278"/>
+            <a:ext cx="864096" cy="792088"/>
+          </a:xfrm>
+          <a:prstGeom prst="ellipse">
+            <a:avLst/>
+          </a:prstGeom>
+          <a:solidFill>
+            <a:srgbClr val="00B050"/>
+          </a:solidFill>
+        </p:spPr>
+        <p:style>
+          <a:lnRef idx="2">
+            <a:schemeClr val="accent1">
+              <a:shade val="50000"/>
+            </a:schemeClr>
+          </a:lnRef>
+          <a:fillRef idx="1">
+            <a:schemeClr val="accent1"/>
+          </a:fillRef>
+          <a:effectRef idx="0">
+            <a:schemeClr val="accent1"/>
+          </a:effectRef>
+          <a:fontRef idx="minor">
+            <a:schemeClr val="lt1"/>
+          </a:fontRef>
+        </p:style>
+        <p:txBody>
+          <a:bodyPr rtlCol="0" anchor="ctr"/>
+          <a:lstStyle/>
+          <a:p>
+            <a:pPr algn="ctr"/>
+            <a:r>
+              <a:rPr lang="en-US" dirty="0" smtClean="0"/>
+              <a:t>v=8</a:t>
+            </a:r>
+          </a:p>
+          <a:p>
+            <a:pPr algn="ctr"/>
+            <a:r>
+              <a:rPr lang="en-US" dirty="0" smtClean="0"/>
+              <a:t>d=0</a:t>
+            </a:r>
+            <a:endParaRPr lang="en-US" dirty="0"/>
+          </a:p>
+        </p:txBody>
+      </p:sp>
+      <p:pic>
+        <p:nvPicPr>
+          <p:cNvPr id="4098" name="Picture 2"/>
+          <p:cNvPicPr>
+            <a:picLocks noChangeAspect="1" noChangeArrowheads="1"/>
+          </p:cNvPicPr>
+          <p:nvPr/>
+        </p:nvPicPr>
+        <p:blipFill>
+          <a:blip r:embed="rId2">
+            <a:extLst>
+              <a:ext uri="{28A0092B-C50C-407E-A947-70E740481C1C}">
+                <a14:useLocalDpi xmlns:a14="http://schemas.microsoft.com/office/drawing/2010/main" val="0"/>
+              </a:ext>
+            </a:extLst>
+          </a:blip>
+          <a:srcRect/>
+          <a:stretch>
+            <a:fillRect/>
+          </a:stretch>
+        </p:blipFill>
+        <p:spPr bwMode="auto">
+          <a:xfrm>
+            <a:off x="8348612" y="3428999"/>
+            <a:ext cx="986953" cy="1594309"/>
+          </a:xfrm>
+          <a:prstGeom prst="rect">
+            <a:avLst/>
+          </a:prstGeom>
+          <a:noFill/>
+          <a:ln>
+            <a:noFill/>
+          </a:ln>
+          <a:effectLst/>
+          <a:extLst>
+            <a:ext uri="{909E8E84-426E-40DD-AFC4-6F175D3DCCD1}">
+              <a14:hiddenFill xmlns:a14="http://schemas.microsoft.com/office/drawing/2010/main">
+                <a:solidFill>
+                  <a:schemeClr val="accent1"/>
+                </a:solidFill>
+              </a14:hiddenFill>
+            </a:ext>
+            <a:ext uri="{91240B29-F687-4F45-9708-019B960494DF}">
+              <a14:hiddenLine xmlns:a14="http://schemas.microsoft.com/office/drawing/2010/main" w="9525">
+                <a:solidFill>
+                  <a:schemeClr val="tx1"/>
+                </a:solidFill>
+                <a:miter lim="800000"/>
+                <a:headEnd/>
+                <a:tailEnd/>
+              </a14:hiddenLine>
+            </a:ext>
+            <a:ext uri="{AF507438-7753-43E0-B8FC-AC1667EBCBE1}">
+              <a14:hiddenEffects xmlns:a14="http://schemas.microsoft.com/office/drawing/2010/main">
+                <a:effectLst>
+                  <a:outerShdw dist="35921" dir="2700000" algn="ctr" rotWithShape="0">
+                    <a:schemeClr val="bg2"/>
+                  </a:outerShdw>
+                </a:effectLst>
+              </a14:hiddenEffects>
+            </a:ext>
+          </a:extLst>
+        </p:spPr>
+      </p:pic>
+    </p:spTree>
+    <p:extLst>
+      <p:ext uri="{BB962C8B-B14F-4D97-AF65-F5344CB8AC3E}">
+        <p14:creationId xmlns:p14="http://schemas.microsoft.com/office/powerpoint/2010/main" val="2544324978"/>
+      </p:ext>
+    </p:extLst>
+  </p:cSld>
+  <p:clrMapOvr>
+    <a:masterClrMapping/>
+  </p:clrMapOvr>
+</p:sld>
+</file>
+
+<file path=ppt/slides/slide18.xml><?xml version="1.0" encoding="utf-8"?>
+<p:sld xmlns:a="http://schemas.openxmlformats.org/drawingml/2006/main" xmlns:r="http://schemas.openxmlformats.org/officeDocument/2006/relationships" xmlns:p="http://schemas.openxmlformats.org/presentationml/2006/main">
+  <p:cSld>
+    <p:spTree>
+      <p:nvGrpSpPr>
+        <p:cNvPr id="1" name=""/>
+        <p:cNvGrpSpPr/>
+        <p:nvPr/>
+      </p:nvGrpSpPr>
+      <p:grpSpPr>
+        <a:xfrm>
+          <a:off x="0" y="0"/>
+          <a:ext cx="0" cy="0"/>
+          <a:chOff x="0" y="0"/>
+          <a:chExt cx="0" cy="0"/>
+        </a:xfrm>
+      </p:grpSpPr>
+      <p:sp>
+        <p:nvSpPr>
+          <p:cNvPr id="2" name="Заголовок 1"/>
+          <p:cNvSpPr>
+            <a:spLocks noGrp="1"/>
+          </p:cNvSpPr>
+          <p:nvPr>
+            <p:ph type="title"/>
+          </p:nvPr>
+        </p:nvSpPr>
+        <p:spPr/>
+        <p:txBody>
+          <a:bodyPr/>
+          <a:lstStyle/>
+          <a:p>
+            <a:r>
+              <a:rPr lang="ru-RU" cap="none" dirty="0" smtClean="0"/>
               <a:t>Асимптотика</a:t>
             </a:r>
             <a:endParaRPr lang="ru-RU" cap="none" dirty="0"/>
@@ -3734,11 +7950,7 @@
             </a:r>
             <a:r>
               <a:rPr lang="ru-RU" dirty="0" smtClean="0"/>
-              <a:t>это персистентная </a:t>
-            </a:r>
-            <a:r>
-              <a:rPr lang="ru-RU" dirty="0" smtClean="0"/>
-              <a:t>структура</a:t>
+              <a:t>это персистентная структура</a:t>
             </a:r>
             <a:r>
               <a:rPr lang="ru-RU" dirty="0"/>
@@ -3746,27 +7958,11 @@
             </a:r>
             <a:r>
               <a:rPr lang="ru-RU" dirty="0" smtClean="0"/>
-              <a:t>данных</a:t>
-            </a:r>
-            <a:r>
-              <a:rPr lang="ru-RU" dirty="0" smtClean="0"/>
-              <a:t>, </a:t>
-            </a:r>
-            <a:r>
-              <a:rPr lang="ru-RU" dirty="0" smtClean="0"/>
-              <a:t>которая </a:t>
+              <a:t>данных, которая </a:t>
             </a:r>
             <a:r>
               <a:rPr lang="ru-RU" smtClean="0"/>
-              <a:t>позволяет </a:t>
-            </a:r>
-            <a:r>
-              <a:rPr lang="ru-RU" smtClean="0"/>
-              <a:t>обращаться</a:t>
-            </a:r>
-            <a:r>
-              <a:rPr lang="ru-RU" smtClean="0"/>
-              <a:t> </a:t>
+              <a:t>позволяет обращаться </a:t>
             </a:r>
             <a:r>
               <a:rPr lang="ru-RU" dirty="0" smtClean="0"/>
@@ -4779,10 +8975,9 @@
           <a:lstStyle/>
           <a:p>
             <a:r>
-              <a:rPr lang="ru-RU" cap="none" dirty="0" smtClean="0"/>
-              <a:t>Тест</a:t>
-            </a:r>
-            <a:endParaRPr lang="ru-RU" cap="none" dirty="0"/>
+              <a:rPr lang="ru-RU" cap="none" dirty="0"/>
+              <a:t>Тест(программа во время запуска)</a:t>
+            </a:r>
           </a:p>
         </p:txBody>
       </p:sp>
@@ -4805,151 +9000,74 @@
           </a:p>
         </p:txBody>
       </p:sp>
-      <p:pic>
-        <p:nvPicPr>
-          <p:cNvPr id="1026" name="Picture 2"/>
-          <p:cNvPicPr>
-            <a:picLocks noChangeAspect="1" noChangeArrowheads="1"/>
-          </p:cNvPicPr>
+      <p:sp>
+        <p:nvSpPr>
+          <p:cNvPr id="4" name="Овал 3"/>
+          <p:cNvSpPr/>
           <p:nvPr/>
-        </p:nvPicPr>
-        <p:blipFill>
-          <a:blip r:embed="rId2">
-            <a:extLst>
-              <a:ext uri="{28A0092B-C50C-407E-A947-70E740481C1C}">
-                <a14:useLocalDpi xmlns:a14="http://schemas.microsoft.com/office/drawing/2010/main" val="0"/>
-              </a:ext>
-            </a:extLst>
-          </a:blip>
-          <a:srcRect/>
-          <a:stretch>
-            <a:fillRect/>
-          </a:stretch>
-        </p:blipFill>
-        <p:spPr bwMode="auto">
+        </p:nvSpPr>
+        <p:spPr>
           <a:xfrm>
-            <a:off x="2494806" y="2061642"/>
-            <a:ext cx="2016224" cy="2952328"/>
-          </a:xfrm>
-          <a:prstGeom prst="rect">
+            <a:off x="2638822" y="2022278"/>
+            <a:ext cx="864096" cy="792088"/>
+          </a:xfrm>
+          <a:prstGeom prst="ellipse">
             <a:avLst/>
           </a:prstGeom>
-          <a:noFill/>
-          <a:ln>
-            <a:noFill/>
-          </a:ln>
-          <a:effectLst/>
-          <a:extLst>
-            <a:ext uri="{909E8E84-426E-40DD-AFC4-6F175D3DCCD1}">
-              <a14:hiddenFill xmlns:a14="http://schemas.microsoft.com/office/drawing/2010/main">
-                <a:solidFill>
-                  <a:schemeClr val="accent1"/>
-                </a:solidFill>
-              </a14:hiddenFill>
-            </a:ext>
-            <a:ext uri="{91240B29-F687-4F45-9708-019B960494DF}">
-              <a14:hiddenLine xmlns:a14="http://schemas.microsoft.com/office/drawing/2010/main" w="9525">
-                <a:solidFill>
-                  <a:schemeClr val="tx1"/>
-                </a:solidFill>
-                <a:miter lim="800000"/>
-                <a:headEnd/>
-                <a:tailEnd/>
-              </a14:hiddenLine>
-            </a:ext>
-            <a:ext uri="{AF507438-7753-43E0-B8FC-AC1667EBCBE1}">
-              <a14:hiddenEffects xmlns:a14="http://schemas.microsoft.com/office/drawing/2010/main">
-                <a:effectLst>
-                  <a:outerShdw dist="35921" dir="2700000" algn="ctr" rotWithShape="0">
-                    <a:schemeClr val="bg2"/>
-                  </a:outerShdw>
-                </a:effectLst>
-              </a14:hiddenEffects>
-            </a:ext>
-          </a:extLst>
-        </p:spPr>
-      </p:pic>
-      <p:pic>
-        <p:nvPicPr>
-          <p:cNvPr id="1027" name="Picture 3"/>
-          <p:cNvPicPr>
-            <a:picLocks noChangeAspect="1" noChangeArrowheads="1"/>
-          </p:cNvPicPr>
-          <p:nvPr/>
-        </p:nvPicPr>
-        <p:blipFill>
-          <a:blip r:embed="rId3">
-            <a:extLst>
-              <a:ext uri="{28A0092B-C50C-407E-A947-70E740481C1C}">
-                <a14:useLocalDpi xmlns:a14="http://schemas.microsoft.com/office/drawing/2010/main" val="0"/>
-              </a:ext>
-            </a:extLst>
-          </a:blip>
-          <a:srcRect/>
-          <a:stretch>
-            <a:fillRect/>
-          </a:stretch>
-        </p:blipFill>
-        <p:spPr bwMode="auto">
-          <a:xfrm>
-            <a:off x="4727054" y="2709714"/>
-            <a:ext cx="2663521" cy="2304256"/>
-          </a:xfrm>
-          <a:prstGeom prst="rect">
-            <a:avLst/>
-          </a:prstGeom>
-          <a:noFill/>
-          <a:ln>
-            <a:noFill/>
-          </a:ln>
-          <a:effectLst/>
-          <a:extLst>
-            <a:ext uri="{909E8E84-426E-40DD-AFC4-6F175D3DCCD1}">
-              <a14:hiddenFill xmlns:a14="http://schemas.microsoft.com/office/drawing/2010/main">
-                <a:solidFill>
-                  <a:schemeClr val="accent1"/>
-                </a:solidFill>
-              </a14:hiddenFill>
-            </a:ext>
-            <a:ext uri="{91240B29-F687-4F45-9708-019B960494DF}">
-              <a14:hiddenLine xmlns:a14="http://schemas.microsoft.com/office/drawing/2010/main" w="9525">
-                <a:solidFill>
-                  <a:schemeClr val="tx1"/>
-                </a:solidFill>
-                <a:miter lim="800000"/>
-                <a:headEnd/>
-                <a:tailEnd/>
-              </a14:hiddenLine>
-            </a:ext>
-            <a:ext uri="{AF507438-7753-43E0-B8FC-AC1667EBCBE1}">
-              <a14:hiddenEffects xmlns:a14="http://schemas.microsoft.com/office/drawing/2010/main">
-                <a:effectLst>
-                  <a:outerShdw dist="35921" dir="2700000" algn="ctr" rotWithShape="0">
-                    <a:schemeClr val="bg2"/>
-                  </a:outerShdw>
-                </a:effectLst>
-              </a14:hiddenEffects>
-            </a:ext>
-          </a:extLst>
-        </p:spPr>
-      </p:pic>
+          <a:solidFill>
+            <a:srgbClr val="00B050"/>
+          </a:solidFill>
+        </p:spPr>
+        <p:style>
+          <a:lnRef idx="2">
+            <a:schemeClr val="accent1">
+              <a:shade val="50000"/>
+            </a:schemeClr>
+          </a:lnRef>
+          <a:fillRef idx="1">
+            <a:schemeClr val="accent1"/>
+          </a:fillRef>
+          <a:effectRef idx="0">
+            <a:schemeClr val="accent1"/>
+          </a:effectRef>
+          <a:fontRef idx="minor">
+            <a:schemeClr val="lt1"/>
+          </a:fontRef>
+        </p:style>
+        <p:txBody>
+          <a:bodyPr rtlCol="0" anchor="ctr"/>
+          <a:lstStyle/>
+          <a:p>
+            <a:pPr algn="ctr"/>
+            <a:r>
+              <a:rPr lang="en-US" dirty="0"/>
+              <a:t>v</a:t>
+            </a:r>
+            <a:r>
+              <a:rPr lang="en-US" dirty="0" smtClean="0"/>
+              <a:t>=0</a:t>
+            </a:r>
+          </a:p>
+          <a:p>
+            <a:pPr algn="ctr"/>
+            <a:r>
+              <a:rPr lang="en-US" dirty="0" smtClean="0"/>
+              <a:t>d=0</a:t>
+            </a:r>
+            <a:endParaRPr lang="en-US" dirty="0"/>
+          </a:p>
+        </p:txBody>
+      </p:sp>
     </p:spTree>
     <p:extLst>
       <p:ext uri="{BB962C8B-B14F-4D97-AF65-F5344CB8AC3E}">
-        <p14:creationId xmlns:p14="http://schemas.microsoft.com/office/powerpoint/2010/main" val="3335463249"/>
+        <p14:creationId xmlns:p14="http://schemas.microsoft.com/office/powerpoint/2010/main" val="3773272545"/>
       </p:ext>
     </p:extLst>
   </p:cSld>
   <p:clrMapOvr>
     <a:masterClrMapping/>
   </p:clrMapOvr>
-  <p:timing>
-    <p:tnLst>
-      <p:par>
-        <p:cTn id="1" dur="indefinite" restart="never" nodeType="tmRoot"/>
-      </p:par>
-    </p:tnLst>
-  </p:timing>
 </p:sld>
 </file>
 
